--- a/Projektiterationen/1.Iteration.pptx
+++ b/Projektiterationen/1.Iteration.pptx
@@ -267,7 +267,7 @@
           <a:p>
             <a:fld id="{826AA1D2-9E24-46BA-ACF3-586C08A89ECF}" type="datetimeFigureOut">
               <a:rPr lang="de-AT" smtClean="0"/>
-              <a:t>20.11.2019</a:t>
+              <a:t>21.11.2019</a:t>
             </a:fld>
             <a:endParaRPr lang="de-AT"/>
           </a:p>
@@ -467,7 +467,7 @@
           <a:p>
             <a:fld id="{826AA1D2-9E24-46BA-ACF3-586C08A89ECF}" type="datetimeFigureOut">
               <a:rPr lang="de-AT" smtClean="0"/>
-              <a:t>20.11.2019</a:t>
+              <a:t>21.11.2019</a:t>
             </a:fld>
             <a:endParaRPr lang="de-AT"/>
           </a:p>
@@ -677,7 +677,7 @@
           <a:p>
             <a:fld id="{826AA1D2-9E24-46BA-ACF3-586C08A89ECF}" type="datetimeFigureOut">
               <a:rPr lang="de-AT" smtClean="0"/>
-              <a:t>20.11.2019</a:t>
+              <a:t>21.11.2019</a:t>
             </a:fld>
             <a:endParaRPr lang="de-AT"/>
           </a:p>
@@ -877,7 +877,7 @@
           <a:p>
             <a:fld id="{826AA1D2-9E24-46BA-ACF3-586C08A89ECF}" type="datetimeFigureOut">
               <a:rPr lang="de-AT" smtClean="0"/>
-              <a:t>20.11.2019</a:t>
+              <a:t>21.11.2019</a:t>
             </a:fld>
             <a:endParaRPr lang="de-AT"/>
           </a:p>
@@ -1153,7 +1153,7 @@
           <a:p>
             <a:fld id="{826AA1D2-9E24-46BA-ACF3-586C08A89ECF}" type="datetimeFigureOut">
               <a:rPr lang="de-AT" smtClean="0"/>
-              <a:t>20.11.2019</a:t>
+              <a:t>21.11.2019</a:t>
             </a:fld>
             <a:endParaRPr lang="de-AT"/>
           </a:p>
@@ -1421,7 +1421,7 @@
           <a:p>
             <a:fld id="{826AA1D2-9E24-46BA-ACF3-586C08A89ECF}" type="datetimeFigureOut">
               <a:rPr lang="de-AT" smtClean="0"/>
-              <a:t>20.11.2019</a:t>
+              <a:t>21.11.2019</a:t>
             </a:fld>
             <a:endParaRPr lang="de-AT"/>
           </a:p>
@@ -1836,7 +1836,7 @@
           <a:p>
             <a:fld id="{826AA1D2-9E24-46BA-ACF3-586C08A89ECF}" type="datetimeFigureOut">
               <a:rPr lang="de-AT" smtClean="0"/>
-              <a:t>20.11.2019</a:t>
+              <a:t>21.11.2019</a:t>
             </a:fld>
             <a:endParaRPr lang="de-AT"/>
           </a:p>
@@ -1978,7 +1978,7 @@
           <a:p>
             <a:fld id="{826AA1D2-9E24-46BA-ACF3-586C08A89ECF}" type="datetimeFigureOut">
               <a:rPr lang="de-AT" smtClean="0"/>
-              <a:t>20.11.2019</a:t>
+              <a:t>21.11.2019</a:t>
             </a:fld>
             <a:endParaRPr lang="de-AT"/>
           </a:p>
@@ -2091,7 +2091,7 @@
           <a:p>
             <a:fld id="{826AA1D2-9E24-46BA-ACF3-586C08A89ECF}" type="datetimeFigureOut">
               <a:rPr lang="de-AT" smtClean="0"/>
-              <a:t>20.11.2019</a:t>
+              <a:t>21.11.2019</a:t>
             </a:fld>
             <a:endParaRPr lang="de-AT"/>
           </a:p>
@@ -2404,7 +2404,7 @@
           <a:p>
             <a:fld id="{826AA1D2-9E24-46BA-ACF3-586C08A89ECF}" type="datetimeFigureOut">
               <a:rPr lang="de-AT" smtClean="0"/>
-              <a:t>20.11.2019</a:t>
+              <a:t>21.11.2019</a:t>
             </a:fld>
             <a:endParaRPr lang="de-AT"/>
           </a:p>
@@ -2693,7 +2693,7 @@
           <a:p>
             <a:fld id="{826AA1D2-9E24-46BA-ACF3-586C08A89ECF}" type="datetimeFigureOut">
               <a:rPr lang="de-AT" smtClean="0"/>
-              <a:t>20.11.2019</a:t>
+              <a:t>21.11.2019</a:t>
             </a:fld>
             <a:endParaRPr lang="de-AT"/>
           </a:p>
@@ -2936,7 +2936,7 @@
           <a:p>
             <a:fld id="{826AA1D2-9E24-46BA-ACF3-586C08A89ECF}" type="datetimeFigureOut">
               <a:rPr lang="de-AT" smtClean="0"/>
-              <a:t>20.11.2019</a:t>
+              <a:t>21.11.2019</a:t>
             </a:fld>
             <a:endParaRPr lang="de-AT"/>
           </a:p>
@@ -3901,7 +3901,7 @@
             <a:pPr lvl="1"/>
             <a:r>
               <a:rPr lang="de-AT" dirty="0"/>
-              <a:t>Entwicklung mit Bootstrap </a:t>
+              <a:t>Entwicklung einer Webseite mit Bootstrap </a:t>
             </a:r>
           </a:p>
         </p:txBody>
@@ -4533,168 +4533,56 @@
           <a:chExt cx="0" cy="0"/>
         </a:xfrm>
       </p:grpSpPr>
-      <p:sp>
-        <p:nvSpPr>
-          <p:cNvPr id="17" name="Freeform 5">
-            <a:extLst>
-              <a:ext uri="{FF2B5EF4-FFF2-40B4-BE49-F238E27FC236}">
-                <a16:creationId xmlns:a16="http://schemas.microsoft.com/office/drawing/2014/main" id="{87CC2527-562A-4F69-B487-4371E5B243E7}"/>
-              </a:ext>
-              <a:ext uri="{C183D7F6-B498-43B3-948B-1728B52AA6E4}">
-                <adec:decorative xmlns:adec="http://schemas.microsoft.com/office/drawing/2017/decorative" val="1"/>
-              </a:ext>
-            </a:extLst>
-          </p:cNvPr>
-          <p:cNvSpPr>
-            <a:spLocks noGrp="1" noRot="1" noChangeAspect="1" noMove="1" noResize="1" noEditPoints="1" noAdjustHandles="1" noChangeArrowheads="1" noChangeShapeType="1" noTextEdit="1"/>
-          </p:cNvSpPr>
-          <p:nvPr>
-            <p:extLst>
-              <p:ext uri="{386F3935-93C4-4BCD-93E2-E3B085C9AB24}">
-                <p16:designElem xmlns:p16="http://schemas.microsoft.com/office/powerpoint/2015/main" val="1"/>
-              </p:ext>
-            </p:extLst>
-          </p:nvPr>
-        </p:nvSpPr>
-        <p:spPr bwMode="grayWhite">
-          <a:xfrm>
-            <a:off x="7488621" y="2277613"/>
-            <a:ext cx="4703379" cy="4580387"/>
-          </a:xfrm>
-          <a:custGeom>
-            <a:avLst/>
-            <a:gdLst>
-              <a:gd name="T0" fmla="*/ 1333 w 1333"/>
-              <a:gd name="T1" fmla="*/ 1031 h 1298"/>
-              <a:gd name="T2" fmla="*/ 1333 w 1333"/>
-              <a:gd name="T3" fmla="*/ 380 h 1298"/>
-              <a:gd name="T4" fmla="*/ 706 w 1333"/>
-              <a:gd name="T5" fmla="*/ 0 h 1298"/>
-              <a:gd name="T6" fmla="*/ 0 w 1333"/>
-              <a:gd name="T7" fmla="*/ 706 h 1298"/>
-              <a:gd name="T8" fmla="*/ 323 w 1333"/>
-              <a:gd name="T9" fmla="*/ 1298 h 1298"/>
-              <a:gd name="T10" fmla="*/ 1090 w 1333"/>
-              <a:gd name="T11" fmla="*/ 1298 h 1298"/>
-              <a:gd name="T12" fmla="*/ 1333 w 1333"/>
-              <a:gd name="T13" fmla="*/ 1031 h 1298"/>
-            </a:gdLst>
-            <a:ahLst/>
-            <a:cxnLst>
-              <a:cxn ang="0">
-                <a:pos x="T0" y="T1"/>
-              </a:cxn>
-              <a:cxn ang="0">
-                <a:pos x="T2" y="T3"/>
-              </a:cxn>
-              <a:cxn ang="0">
-                <a:pos x="T4" y="T5"/>
-              </a:cxn>
-              <a:cxn ang="0">
-                <a:pos x="T6" y="T7"/>
-              </a:cxn>
-              <a:cxn ang="0">
-                <a:pos x="T8" y="T9"/>
-              </a:cxn>
-              <a:cxn ang="0">
-                <a:pos x="T10" y="T11"/>
-              </a:cxn>
-              <a:cxn ang="0">
-                <a:pos x="T12" y="T13"/>
-              </a:cxn>
-            </a:cxnLst>
-            <a:rect l="0" t="0" r="r" b="b"/>
-            <a:pathLst>
-              <a:path w="1333" h="1298">
-                <a:moveTo>
-                  <a:pt x="1333" y="1031"/>
-                </a:moveTo>
-                <a:cubicBezTo>
-                  <a:pt x="1333" y="380"/>
-                  <a:pt x="1333" y="380"/>
-                  <a:pt x="1333" y="380"/>
-                </a:cubicBezTo>
-                <a:cubicBezTo>
-                  <a:pt x="1215" y="154"/>
-                  <a:pt x="979" y="0"/>
-                  <a:pt x="706" y="0"/>
-                </a:cubicBezTo>
-                <a:cubicBezTo>
-                  <a:pt x="317" y="0"/>
-                  <a:pt x="0" y="316"/>
-                  <a:pt x="0" y="706"/>
-                </a:cubicBezTo>
-                <a:cubicBezTo>
-                  <a:pt x="0" y="954"/>
-                  <a:pt x="129" y="1172"/>
-                  <a:pt x="323" y="1298"/>
-                </a:cubicBezTo>
-                <a:cubicBezTo>
-                  <a:pt x="1090" y="1298"/>
-                  <a:pt x="1090" y="1298"/>
-                  <a:pt x="1090" y="1298"/>
-                </a:cubicBezTo>
-                <a:cubicBezTo>
-                  <a:pt x="1193" y="1232"/>
-                  <a:pt x="1276" y="1140"/>
-                  <a:pt x="1333" y="1031"/>
-                </a:cubicBezTo>
-                <a:close/>
-              </a:path>
-            </a:pathLst>
-          </a:custGeom>
-          <a:solidFill>
-            <a:schemeClr val="bg1">
-              <a:alpha val="70000"/>
-            </a:schemeClr>
-          </a:solidFill>
-          <a:ln w="50800" cap="sq" cmpd="dbl">
-            <a:noFill/>
-            <a:miter lim="800000"/>
-          </a:ln>
-          <a:effectLst/>
-        </p:spPr>
-        <p:txBody>
-          <a:bodyPr vert="horz" lIns="91440" tIns="45720" rIns="91440" bIns="45720" rtlCol="0" anchor="t">
-            <a:normAutofit/>
-          </a:bodyPr>
-          <a:lstStyle/>
-          <a:p>
-            <a:pPr algn="ctr">
-              <a:spcAft>
-                <a:spcPts val="1000"/>
-              </a:spcAft>
-              <a:buClr>
-                <a:schemeClr val="tx1"/>
-              </a:buClr>
-              <a:buSzPct val="100000"/>
-              <a:buFont typeface="Arial"/>
-              <a:buNone/>
-            </a:pPr>
-            <a:endParaRPr lang="en-US" sz="1600" cap="all"/>
-          </a:p>
-        </p:txBody>
-      </p:sp>
-      <p:sp>
-        <p:nvSpPr>
-          <p:cNvPr id="2" name="Titel 1">
-            <a:extLst>
-              <a:ext uri="{FF2B5EF4-FFF2-40B4-BE49-F238E27FC236}">
-                <a16:creationId xmlns:a16="http://schemas.microsoft.com/office/drawing/2014/main" id="{74774CCD-030B-4A8C-BCB4-ECCC25D4E6BD}"/>
-              </a:ext>
-            </a:extLst>
-          </p:cNvPr>
-          <p:cNvSpPr>
-            <a:spLocks noGrp="1"/>
-          </p:cNvSpPr>
-          <p:nvPr>
-            <p:ph type="title"/>
-          </p:nvPr>
-        </p:nvSpPr>
+      <p:pic>
+        <p:nvPicPr>
+          <p:cNvPr id="5" name="Grafik 4">
+            <a:extLst>
+              <a:ext uri="{FF2B5EF4-FFF2-40B4-BE49-F238E27FC236}">
+                <a16:creationId xmlns:a16="http://schemas.microsoft.com/office/drawing/2014/main" id="{5BB97B46-E3F3-4C7F-A632-0D9DD2E2EC06}"/>
+              </a:ext>
+            </a:extLst>
+          </p:cNvPr>
+          <p:cNvPicPr>
+            <a:picLocks noChangeAspect="1"/>
+          </p:cNvPicPr>
+          <p:nvPr/>
+        </p:nvPicPr>
+        <p:blipFill>
+          <a:blip r:embed="rId2"/>
+          <a:stretch>
+            <a:fillRect/>
+          </a:stretch>
+        </p:blipFill>
         <p:spPr>
           <a:xfrm>
-            <a:off x="8022021" y="3231931"/>
-            <a:ext cx="3852041" cy="1834056"/>
+            <a:off x="253067" y="163585"/>
+            <a:ext cx="11685865" cy="6627300"/>
+          </a:xfrm>
+          <a:prstGeom prst="rect">
+            <a:avLst/>
+          </a:prstGeom>
+        </p:spPr>
+      </p:pic>
+      <p:sp>
+        <p:nvSpPr>
+          <p:cNvPr id="2" name="Titel 1">
+            <a:extLst>
+              <a:ext uri="{FF2B5EF4-FFF2-40B4-BE49-F238E27FC236}">
+                <a16:creationId xmlns:a16="http://schemas.microsoft.com/office/drawing/2014/main" id="{74774CCD-030B-4A8C-BCB4-ECCC25D4E6BD}"/>
+              </a:ext>
+            </a:extLst>
+          </p:cNvPr>
+          <p:cNvSpPr>
+            <a:spLocks noGrp="1"/>
+          </p:cNvSpPr>
+          <p:nvPr>
+            <p:ph type="title" idx="4294967295"/>
+          </p:nvPr>
+        </p:nvSpPr>
+        <p:spPr>
+          <a:xfrm>
+            <a:off x="-75503" y="-410057"/>
+            <a:ext cx="2880220" cy="1244761"/>
           </a:xfrm>
         </p:spPr>
         <p:txBody>
@@ -4705,68 +4593,17 @@
           <a:p>
             <a:pPr algn="ctr"/>
             <a:r>
-              <a:rPr lang="en-US" sz="4000"/>
-              <a:t>In Aussicht</a:t>
-            </a:r>
-          </a:p>
-        </p:txBody>
-      </p:sp>
-      <p:cxnSp>
-        <p:nvCxnSpPr>
-          <p:cNvPr id="16" name="Straight Connector 15">
-            <a:extLst>
-              <a:ext uri="{FF2B5EF4-FFF2-40B4-BE49-F238E27FC236}">
-                <a16:creationId xmlns:a16="http://schemas.microsoft.com/office/drawing/2014/main" id="{BCDAEC91-5BCE-4B55-9CC0-43EF94CB734B}"/>
-              </a:ext>
-              <a:ext uri="{C183D7F6-B498-43B3-948B-1728B52AA6E4}">
-                <adec:decorative xmlns:adec="http://schemas.microsoft.com/office/drawing/2017/decorative" val="1"/>
-              </a:ext>
-            </a:extLst>
-          </p:cNvPr>
-          <p:cNvCxnSpPr>
-            <a:cxnSpLocks noGrp="1" noRot="1" noChangeAspect="1" noMove="1" noResize="1" noEditPoints="1" noAdjustHandles="1" noChangeArrowheads="1" noChangeShapeType="1"/>
-          </p:cNvCxnSpPr>
-          <p:nvPr>
-            <p:extLst>
-              <p:ext uri="{386F3935-93C4-4BCD-93E2-E3B085C9AB24}">
-                <p16:designElem xmlns:p16="http://schemas.microsoft.com/office/powerpoint/2015/main" val="1"/>
-              </p:ext>
-            </p:extLst>
-          </p:nvPr>
-        </p:nvCxnSpPr>
-        <p:spPr>
-          <a:xfrm>
-            <a:off x="9480331" y="5123793"/>
-            <a:ext cx="935420" cy="0"/>
-          </a:xfrm>
-          <a:prstGeom prst="line">
-            <a:avLst/>
-          </a:prstGeom>
-          <a:ln w="25400" cap="sq">
-            <a:solidFill>
-              <a:schemeClr val="tx1">
-                <a:lumMod val="85000"/>
-                <a:lumOff val="15000"/>
-              </a:schemeClr>
-            </a:solidFill>
-            <a:bevel/>
-          </a:ln>
-        </p:spPr>
-        <p:style>
-          <a:lnRef idx="1">
-            <a:schemeClr val="accent1"/>
-          </a:lnRef>
-          <a:fillRef idx="0">
-            <a:schemeClr val="accent1"/>
-          </a:fillRef>
-          <a:effectRef idx="0">
-            <a:schemeClr val="accent1"/>
-          </a:effectRef>
-          <a:fontRef idx="minor">
-            <a:schemeClr val="tx1"/>
-          </a:fontRef>
-        </p:style>
-      </p:cxnSp>
+              <a:rPr lang="en-US" sz="4000" dirty="0"/>
+              <a:t>In </a:t>
+            </a:r>
+            <a:r>
+              <a:rPr lang="en-US" sz="4000" dirty="0" err="1"/>
+              <a:t>Aussicht</a:t>
+            </a:r>
+            <a:endParaRPr lang="en-US" sz="4000" dirty="0"/>
+          </a:p>
+        </p:txBody>
+      </p:sp>
     </p:spTree>
     <p:extLst>
       <p:ext uri="{BB962C8B-B14F-4D97-AF65-F5344CB8AC3E}">
@@ -4846,10 +4683,6 @@
           <a:bodyPr/>
           <a:lstStyle/>
           <a:p>
-            <a:r>
-              <a:rPr lang="de-AT" dirty="0" err="1"/>
-              <a:t>lul</a:t>
-            </a:r>
             <a:endParaRPr lang="de-AT" dirty="0"/>
           </a:p>
         </p:txBody>

--- a/Projektiterationen/1.Iteration.pptx
+++ b/Projektiterationen/1.Iteration.pptx
@@ -10,8 +10,12 @@
     <p:sldId id="260" r:id="rId4"/>
     <p:sldId id="258" r:id="rId5"/>
     <p:sldId id="259" r:id="rId6"/>
-    <p:sldId id="261" r:id="rId7"/>
-    <p:sldId id="262" r:id="rId8"/>
+    <p:sldId id="263" r:id="rId7"/>
+    <p:sldId id="264" r:id="rId8"/>
+    <p:sldId id="265" r:id="rId9"/>
+    <p:sldId id="266" r:id="rId10"/>
+    <p:sldId id="261" r:id="rId11"/>
+    <p:sldId id="262" r:id="rId12"/>
   </p:sldIdLst>
   <p:sldSz cx="12192000" cy="6858000"/>
   <p:notesSz cx="6858000" cy="9144000"/>
@@ -267,7 +271,7 @@
           <a:p>
             <a:fld id="{826AA1D2-9E24-46BA-ACF3-586C08A89ECF}" type="datetimeFigureOut">
               <a:rPr lang="de-AT" smtClean="0"/>
-              <a:t>21.11.2019</a:t>
+              <a:t>22.11.2019</a:t>
             </a:fld>
             <a:endParaRPr lang="de-AT"/>
           </a:p>
@@ -467,7 +471,7 @@
           <a:p>
             <a:fld id="{826AA1D2-9E24-46BA-ACF3-586C08A89ECF}" type="datetimeFigureOut">
               <a:rPr lang="de-AT" smtClean="0"/>
-              <a:t>21.11.2019</a:t>
+              <a:t>22.11.2019</a:t>
             </a:fld>
             <a:endParaRPr lang="de-AT"/>
           </a:p>
@@ -677,7 +681,7 @@
           <a:p>
             <a:fld id="{826AA1D2-9E24-46BA-ACF3-586C08A89ECF}" type="datetimeFigureOut">
               <a:rPr lang="de-AT" smtClean="0"/>
-              <a:t>21.11.2019</a:t>
+              <a:t>22.11.2019</a:t>
             </a:fld>
             <a:endParaRPr lang="de-AT"/>
           </a:p>
@@ -877,7 +881,7 @@
           <a:p>
             <a:fld id="{826AA1D2-9E24-46BA-ACF3-586C08A89ECF}" type="datetimeFigureOut">
               <a:rPr lang="de-AT" smtClean="0"/>
-              <a:t>21.11.2019</a:t>
+              <a:t>22.11.2019</a:t>
             </a:fld>
             <a:endParaRPr lang="de-AT"/>
           </a:p>
@@ -1153,7 +1157,7 @@
           <a:p>
             <a:fld id="{826AA1D2-9E24-46BA-ACF3-586C08A89ECF}" type="datetimeFigureOut">
               <a:rPr lang="de-AT" smtClean="0"/>
-              <a:t>21.11.2019</a:t>
+              <a:t>22.11.2019</a:t>
             </a:fld>
             <a:endParaRPr lang="de-AT"/>
           </a:p>
@@ -1421,7 +1425,7 @@
           <a:p>
             <a:fld id="{826AA1D2-9E24-46BA-ACF3-586C08A89ECF}" type="datetimeFigureOut">
               <a:rPr lang="de-AT" smtClean="0"/>
-              <a:t>21.11.2019</a:t>
+              <a:t>22.11.2019</a:t>
             </a:fld>
             <a:endParaRPr lang="de-AT"/>
           </a:p>
@@ -1836,7 +1840,7 @@
           <a:p>
             <a:fld id="{826AA1D2-9E24-46BA-ACF3-586C08A89ECF}" type="datetimeFigureOut">
               <a:rPr lang="de-AT" smtClean="0"/>
-              <a:t>21.11.2019</a:t>
+              <a:t>22.11.2019</a:t>
             </a:fld>
             <a:endParaRPr lang="de-AT"/>
           </a:p>
@@ -1978,7 +1982,7 @@
           <a:p>
             <a:fld id="{826AA1D2-9E24-46BA-ACF3-586C08A89ECF}" type="datetimeFigureOut">
               <a:rPr lang="de-AT" smtClean="0"/>
-              <a:t>21.11.2019</a:t>
+              <a:t>22.11.2019</a:t>
             </a:fld>
             <a:endParaRPr lang="de-AT"/>
           </a:p>
@@ -2091,7 +2095,7 @@
           <a:p>
             <a:fld id="{826AA1D2-9E24-46BA-ACF3-586C08A89ECF}" type="datetimeFigureOut">
               <a:rPr lang="de-AT" smtClean="0"/>
-              <a:t>21.11.2019</a:t>
+              <a:t>22.11.2019</a:t>
             </a:fld>
             <a:endParaRPr lang="de-AT"/>
           </a:p>
@@ -2404,7 +2408,7 @@
           <a:p>
             <a:fld id="{826AA1D2-9E24-46BA-ACF3-586C08A89ECF}" type="datetimeFigureOut">
               <a:rPr lang="de-AT" smtClean="0"/>
-              <a:t>21.11.2019</a:t>
+              <a:t>22.11.2019</a:t>
             </a:fld>
             <a:endParaRPr lang="de-AT"/>
           </a:p>
@@ -2693,7 +2697,7 @@
           <a:p>
             <a:fld id="{826AA1D2-9E24-46BA-ACF3-586C08A89ECF}" type="datetimeFigureOut">
               <a:rPr lang="de-AT" smtClean="0"/>
-              <a:t>21.11.2019</a:t>
+              <a:t>22.11.2019</a:t>
             </a:fld>
             <a:endParaRPr lang="de-AT"/>
           </a:p>
@@ -2936,7 +2940,7 @@
           <a:p>
             <a:fld id="{826AA1D2-9E24-46BA-ACF3-586C08A89ECF}" type="datetimeFigureOut">
               <a:rPr lang="de-AT" smtClean="0"/>
-              <a:t>21.11.2019</a:t>
+              <a:t>22.11.2019</a:t>
             </a:fld>
             <a:endParaRPr lang="de-AT"/>
           </a:p>
@@ -3597,6 +3601,203 @@
 </p:sld>
 </file>
 
+<file path=ppt/slides/slide10.xml><?xml version="1.0" encoding="utf-8"?>
+<p:sld xmlns:a="http://schemas.openxmlformats.org/drawingml/2006/main" xmlns:r="http://schemas.openxmlformats.org/officeDocument/2006/relationships" xmlns:p="http://schemas.openxmlformats.org/presentationml/2006/main">
+  <p:cSld>
+    <p:bg>
+      <p:bgPr>
+        <a:solidFill>
+          <a:schemeClr val="bg1"/>
+        </a:solidFill>
+        <a:effectLst/>
+      </p:bgPr>
+    </p:bg>
+    <p:spTree>
+      <p:nvGrpSpPr>
+        <p:cNvPr id="1" name=""/>
+        <p:cNvGrpSpPr/>
+        <p:nvPr/>
+      </p:nvGrpSpPr>
+      <p:grpSpPr>
+        <a:xfrm>
+          <a:off x="0" y="0"/>
+          <a:ext cx="0" cy="0"/>
+          <a:chOff x="0" y="0"/>
+          <a:chExt cx="0" cy="0"/>
+        </a:xfrm>
+      </p:grpSpPr>
+      <p:pic>
+        <p:nvPicPr>
+          <p:cNvPr id="4" name="Grafik 3" descr="Ein Bild, das Karte, Text enthält.&#10;&#10;Automatisch generierte Beschreibung">
+            <a:extLst>
+              <a:ext uri="{FF2B5EF4-FFF2-40B4-BE49-F238E27FC236}">
+                <a16:creationId xmlns:a16="http://schemas.microsoft.com/office/drawing/2014/main" id="{0CC44D06-11C4-45EE-8DC4-2E15F206D304}"/>
+              </a:ext>
+            </a:extLst>
+          </p:cNvPr>
+          <p:cNvPicPr>
+            <a:picLocks noChangeAspect="1"/>
+          </p:cNvPicPr>
+          <p:nvPr/>
+        </p:nvPicPr>
+        <p:blipFill>
+          <a:blip r:embed="rId2">
+            <a:extLst>
+              <a:ext uri="{28A0092B-C50C-407E-A947-70E740481C1C}">
+                <a14:useLocalDpi xmlns:a14="http://schemas.microsoft.com/office/drawing/2010/main" val="0"/>
+              </a:ext>
+            </a:extLst>
+          </a:blip>
+          <a:stretch>
+            <a:fillRect/>
+          </a:stretch>
+        </p:blipFill>
+        <p:spPr>
+          <a:xfrm>
+            <a:off x="0" y="0"/>
+            <a:ext cx="12192000" cy="6858000"/>
+          </a:xfrm>
+          <a:prstGeom prst="rect">
+            <a:avLst/>
+          </a:prstGeom>
+        </p:spPr>
+      </p:pic>
+      <p:sp>
+        <p:nvSpPr>
+          <p:cNvPr id="2" name="Titel 1">
+            <a:extLst>
+              <a:ext uri="{FF2B5EF4-FFF2-40B4-BE49-F238E27FC236}">
+                <a16:creationId xmlns:a16="http://schemas.microsoft.com/office/drawing/2014/main" id="{74774CCD-030B-4A8C-BCB4-ECCC25D4E6BD}"/>
+              </a:ext>
+            </a:extLst>
+          </p:cNvPr>
+          <p:cNvSpPr>
+            <a:spLocks noGrp="1"/>
+          </p:cNvSpPr>
+          <p:nvPr>
+            <p:ph type="title" idx="4294967295"/>
+          </p:nvPr>
+        </p:nvSpPr>
+        <p:spPr>
+          <a:xfrm>
+            <a:off x="-75503" y="-410057"/>
+            <a:ext cx="2880220" cy="1244761"/>
+          </a:xfrm>
+        </p:spPr>
+        <p:txBody>
+          <a:bodyPr vert="horz" lIns="91440" tIns="45720" rIns="91440" bIns="45720" rtlCol="0" anchor="b">
+            <a:normAutofit/>
+          </a:bodyPr>
+          <a:lstStyle/>
+          <a:p>
+            <a:pPr algn="ctr"/>
+            <a:r>
+              <a:rPr lang="en-US" sz="4000" dirty="0"/>
+              <a:t>In </a:t>
+            </a:r>
+            <a:r>
+              <a:rPr lang="de-AT" sz="4000" dirty="0"/>
+              <a:t>Aussicht</a:t>
+            </a:r>
+          </a:p>
+        </p:txBody>
+      </p:sp>
+    </p:spTree>
+    <p:extLst>
+      <p:ext uri="{BB962C8B-B14F-4D97-AF65-F5344CB8AC3E}">
+        <p14:creationId xmlns:p14="http://schemas.microsoft.com/office/powerpoint/2010/main" val="3187254414"/>
+      </p:ext>
+    </p:extLst>
+  </p:cSld>
+  <p:clrMapOvr>
+    <a:masterClrMapping/>
+  </p:clrMapOvr>
+</p:sld>
+</file>
+
+<file path=ppt/slides/slide11.xml><?xml version="1.0" encoding="utf-8"?>
+<p:sld xmlns:a="http://schemas.openxmlformats.org/drawingml/2006/main" xmlns:r="http://schemas.openxmlformats.org/officeDocument/2006/relationships" xmlns:p="http://schemas.openxmlformats.org/presentationml/2006/main">
+  <p:cSld>
+    <p:spTree>
+      <p:nvGrpSpPr>
+        <p:cNvPr id="1" name=""/>
+        <p:cNvGrpSpPr/>
+        <p:nvPr/>
+      </p:nvGrpSpPr>
+      <p:grpSpPr>
+        <a:xfrm>
+          <a:off x="0" y="0"/>
+          <a:ext cx="0" cy="0"/>
+          <a:chOff x="0" y="0"/>
+          <a:chExt cx="0" cy="0"/>
+        </a:xfrm>
+      </p:grpSpPr>
+      <p:sp>
+        <p:nvSpPr>
+          <p:cNvPr id="4" name="Titel 3">
+            <a:extLst>
+              <a:ext uri="{FF2B5EF4-FFF2-40B4-BE49-F238E27FC236}">
+                <a16:creationId xmlns:a16="http://schemas.microsoft.com/office/drawing/2014/main" id="{CFF6A102-4E8E-466C-A5D2-5B602FD1CFDD}"/>
+              </a:ext>
+            </a:extLst>
+          </p:cNvPr>
+          <p:cNvSpPr>
+            <a:spLocks noGrp="1"/>
+          </p:cNvSpPr>
+          <p:nvPr>
+            <p:ph type="ctrTitle"/>
+          </p:nvPr>
+        </p:nvSpPr>
+        <p:spPr/>
+        <p:txBody>
+          <a:bodyPr/>
+          <a:lstStyle/>
+          <a:p>
+            <a:r>
+              <a:rPr lang="de-AT" dirty="0"/>
+              <a:t>Danke für Eure Aufmerksamkeit</a:t>
+            </a:r>
+          </a:p>
+        </p:txBody>
+      </p:sp>
+      <p:sp>
+        <p:nvSpPr>
+          <p:cNvPr id="5" name="Untertitel 4">
+            <a:extLst>
+              <a:ext uri="{FF2B5EF4-FFF2-40B4-BE49-F238E27FC236}">
+                <a16:creationId xmlns:a16="http://schemas.microsoft.com/office/drawing/2014/main" id="{B91B0A6F-3B93-4051-A1D1-7A1ED02E0570}"/>
+              </a:ext>
+            </a:extLst>
+          </p:cNvPr>
+          <p:cNvSpPr>
+            <a:spLocks noGrp="1"/>
+          </p:cNvSpPr>
+          <p:nvPr>
+            <p:ph type="subTitle" idx="1"/>
+          </p:nvPr>
+        </p:nvSpPr>
+        <p:spPr/>
+        <p:txBody>
+          <a:bodyPr/>
+          <a:lstStyle/>
+          <a:p>
+            <a:endParaRPr lang="de-AT" dirty="0"/>
+          </a:p>
+        </p:txBody>
+      </p:sp>
+    </p:spTree>
+    <p:extLst>
+      <p:ext uri="{BB962C8B-B14F-4D97-AF65-F5344CB8AC3E}">
+        <p14:creationId xmlns:p14="http://schemas.microsoft.com/office/powerpoint/2010/main" val="2725170141"/>
+      </p:ext>
+    </p:extLst>
+  </p:cSld>
+  <p:clrMapOvr>
+    <a:masterClrMapping/>
+  </p:clrMapOvr>
+</p:sld>
+</file>
+
 <file path=ppt/slides/slide2.xml><?xml version="1.0" encoding="utf-8"?>
 <p:sld xmlns:a="http://schemas.openxmlformats.org/drawingml/2006/main" xmlns:r="http://schemas.openxmlformats.org/officeDocument/2006/relationships" xmlns:p="http://schemas.openxmlformats.org/presentationml/2006/main">
   <p:cSld>
@@ -3728,7 +3929,7 @@
         </p:blipFill>
         <p:spPr>
           <a:xfrm>
-            <a:off x="6313503" y="219292"/>
+            <a:off x="6313503" y="194125"/>
             <a:ext cx="4668543" cy="6273583"/>
           </a:xfrm>
           <a:prstGeom prst="rect">
@@ -3782,13 +3983,18 @@
             <p:ph type="title"/>
           </p:nvPr>
         </p:nvSpPr>
-        <p:spPr/>
+        <p:spPr>
+          <a:xfrm>
+            <a:off x="838200" y="365125"/>
+            <a:ext cx="10515600" cy="1325563"/>
+          </a:xfrm>
+        </p:spPr>
         <p:txBody>
           <a:bodyPr/>
           <a:lstStyle/>
           <a:p>
             <a:r>
-              <a:rPr lang="de-DE" dirty="0" err="1"/>
+              <a:rPr lang="de-DE"/>
               <a:t>Todo</a:t>
             </a:r>
             <a:endParaRPr lang="de-AT" dirty="0"/>
@@ -3811,7 +4017,12 @@
             <p:ph idx="1"/>
           </p:nvPr>
         </p:nvSpPr>
-        <p:spPr/>
+        <p:spPr>
+          <a:xfrm>
+            <a:off x="838200" y="1825625"/>
+            <a:ext cx="10515600" cy="4351338"/>
+          </a:xfrm>
+        </p:spPr>
         <p:txBody>
           <a:bodyPr>
             <a:normAutofit lnSpcReduction="10000"/>
@@ -3819,90 +4030,79 @@
           <a:lstStyle/>
           <a:p>
             <a:r>
-              <a:rPr lang="de-DE" dirty="0"/>
+              <a:rPr lang="de-DE"/>
               <a:t>Server:</a:t>
             </a:r>
+            <a:endParaRPr lang="de-AT"/>
+          </a:p>
+          <a:p>
+            <a:pPr lvl="1"/>
+            <a:r>
+              <a:rPr lang="de-AT"/>
+              <a:t>Datenbanken aufsetzten</a:t>
+            </a:r>
+          </a:p>
+          <a:p>
+            <a:pPr lvl="2"/>
+            <a:r>
+              <a:rPr lang="de-AT"/>
+              <a:t>MongoDB </a:t>
+            </a:r>
+          </a:p>
+          <a:p>
+            <a:pPr lvl="2"/>
+            <a:r>
+              <a:rPr lang="de-AT"/>
+              <a:t>PostgreSQL</a:t>
+            </a:r>
+          </a:p>
+          <a:p>
+            <a:r>
+              <a:rPr lang="de-AT"/>
+              <a:t>Backend:</a:t>
+            </a:r>
+          </a:p>
+          <a:p>
+            <a:pPr lvl="1"/>
+            <a:r>
+              <a:rPr lang="de-AT"/>
+              <a:t>Node.js Server:</a:t>
+            </a:r>
+          </a:p>
+          <a:p>
+            <a:pPr lvl="2"/>
+            <a:r>
+              <a:rPr lang="de-AT"/>
+              <a:t>GitHub Repository anlegen</a:t>
+            </a:r>
+          </a:p>
+          <a:p>
+            <a:pPr lvl="2"/>
+            <a:r>
+              <a:rPr lang="de-AT"/>
+              <a:t>Deployment am Server mit Docker</a:t>
+            </a:r>
+          </a:p>
+          <a:p>
+            <a:pPr lvl="1"/>
+            <a:r>
+              <a:rPr lang="de-AT"/>
+              <a:t>Datenbanken initialisieren</a:t>
+            </a:r>
+          </a:p>
+          <a:p>
+            <a:r>
+              <a:rPr lang="de-AT"/>
+              <a:t>Frontend:</a:t>
+            </a:r>
+          </a:p>
+          <a:p>
+            <a:pPr lvl="1"/>
+            <a:r>
+              <a:rPr lang="de-AT"/>
+              <a:t>Entwicklung einer Webseite mit Bootstrap </a:t>
+            </a:r>
             <a:endParaRPr lang="de-AT" dirty="0"/>
-          </a:p>
-          <a:p>
-            <a:pPr lvl="1"/>
-            <a:r>
-              <a:rPr lang="de-AT" dirty="0"/>
-              <a:t>Datenbanken aufsetzten</a:t>
-            </a:r>
-          </a:p>
-          <a:p>
-            <a:pPr lvl="2"/>
-            <a:r>
-              <a:rPr lang="de-AT" dirty="0" err="1"/>
-              <a:t>Mongodb</a:t>
-            </a:r>
-            <a:r>
-              <a:rPr lang="de-AT" dirty="0"/>
-              <a:t> </a:t>
-            </a:r>
-          </a:p>
-          <a:p>
-            <a:pPr lvl="2"/>
-            <a:r>
-              <a:rPr lang="de-AT" dirty="0"/>
-              <a:t>PostgreSQL</a:t>
-            </a:r>
-          </a:p>
-          <a:p>
-            <a:r>
-              <a:rPr lang="de-AT" dirty="0"/>
-              <a:t>Backend:</a:t>
-            </a:r>
-          </a:p>
-          <a:p>
-            <a:pPr lvl="1"/>
-            <a:r>
-              <a:rPr lang="de-AT" dirty="0"/>
-              <a:t>Node.js Server:</a:t>
-            </a:r>
-          </a:p>
-          <a:p>
-            <a:pPr lvl="2"/>
-            <a:r>
-              <a:rPr lang="de-AT" dirty="0" err="1"/>
-              <a:t>Git</a:t>
-            </a:r>
-            <a:r>
-              <a:rPr lang="de-AT" dirty="0"/>
-              <a:t> Repository anlegen</a:t>
-            </a:r>
-          </a:p>
-          <a:p>
-            <a:pPr lvl="2"/>
-            <a:r>
-              <a:rPr lang="de-AT" dirty="0" err="1"/>
-              <a:t>Deployment</a:t>
-            </a:r>
-            <a:r>
-              <a:rPr lang="de-AT" dirty="0"/>
-              <a:t> am Server mit Docker</a:t>
-            </a:r>
-          </a:p>
-          <a:p>
-            <a:pPr lvl="1"/>
-            <a:r>
-              <a:rPr lang="de-AT" dirty="0"/>
-              <a:t>Datenbanken initialisieren</a:t>
-            </a:r>
-          </a:p>
-          <a:p>
-            <a:r>
-              <a:rPr lang="de-AT" dirty="0"/>
-              <a:t>Frontend:</a:t>
-            </a:r>
-          </a:p>
-          <a:p>
-            <a:pPr lvl="1"/>
-            <a:r>
-              <a:rPr lang="de-AT" dirty="0"/>
-              <a:t>Entwicklung einer Webseite mit Bootstrap </a:t>
-            </a:r>
           </a:p>
         </p:txBody>
       </p:sp>
@@ -3956,559 +4156,6 @@
 </file>
 
 <file path=ppt/slides/slide4.xml><?xml version="1.0" encoding="utf-8"?>
-<p:sld xmlns:a="http://schemas.openxmlformats.org/drawingml/2006/main" xmlns:r="http://schemas.openxmlformats.org/officeDocument/2006/relationships" xmlns:p="http://schemas.openxmlformats.org/presentationml/2006/main">
-  <p:cSld>
-    <p:spTree>
-      <p:nvGrpSpPr>
-        <p:cNvPr id="1" name=""/>
-        <p:cNvGrpSpPr/>
-        <p:nvPr/>
-      </p:nvGrpSpPr>
-      <p:grpSpPr>
-        <a:xfrm>
-          <a:off x="0" y="0"/>
-          <a:ext cx="0" cy="0"/>
-          <a:chOff x="0" y="0"/>
-          <a:chExt cx="0" cy="0"/>
-        </a:xfrm>
-      </p:grpSpPr>
-      <p:sp>
-        <p:nvSpPr>
-          <p:cNvPr id="2" name="Titel 1">
-            <a:extLst>
-              <a:ext uri="{FF2B5EF4-FFF2-40B4-BE49-F238E27FC236}">
-                <a16:creationId xmlns:a16="http://schemas.microsoft.com/office/drawing/2014/main" id="{242E2C5F-D027-4D50-803B-279AFAF83A9F}"/>
-              </a:ext>
-            </a:extLst>
-          </p:cNvPr>
-          <p:cNvSpPr>
-            <a:spLocks noGrp="1"/>
-          </p:cNvSpPr>
-          <p:nvPr>
-            <p:ph type="title"/>
-          </p:nvPr>
-        </p:nvSpPr>
-        <p:spPr>
-          <a:xfrm>
-            <a:off x="838200" y="365125"/>
-            <a:ext cx="10515600" cy="1325563"/>
-          </a:xfrm>
-        </p:spPr>
-        <p:txBody>
-          <a:bodyPr/>
-          <a:lstStyle/>
-          <a:p>
-            <a:r>
-              <a:rPr lang="de-AT"/>
-              <a:t>Realisiert</a:t>
-            </a:r>
-            <a:endParaRPr lang="de-AT" dirty="0"/>
-          </a:p>
-        </p:txBody>
-      </p:sp>
-      <p:sp>
-        <p:nvSpPr>
-          <p:cNvPr id="3" name="Inhaltsplatzhalter 2">
-            <a:extLst>
-              <a:ext uri="{FF2B5EF4-FFF2-40B4-BE49-F238E27FC236}">
-                <a16:creationId xmlns:a16="http://schemas.microsoft.com/office/drawing/2014/main" id="{D36CB055-4088-4223-A87C-19E8692A541E}"/>
-              </a:ext>
-            </a:extLst>
-          </p:cNvPr>
-          <p:cNvSpPr>
-            <a:spLocks noGrp="1"/>
-          </p:cNvSpPr>
-          <p:nvPr>
-            <p:ph idx="1"/>
-          </p:nvPr>
-        </p:nvSpPr>
-        <p:spPr>
-          <a:xfrm>
-            <a:off x="838200" y="1825625"/>
-            <a:ext cx="10515600" cy="4351338"/>
-          </a:xfrm>
-        </p:spPr>
-        <p:txBody>
-          <a:bodyPr/>
-          <a:lstStyle/>
-          <a:p>
-            <a:r>
-              <a:rPr lang="de-AT"/>
-              <a:t>PostgreSQL Datenbank</a:t>
-            </a:r>
-          </a:p>
-          <a:p>
-            <a:pPr lvl="1"/>
-            <a:r>
-              <a:rPr lang="de-AT"/>
-              <a:t>Open Source SQL Datenbank</a:t>
-            </a:r>
-          </a:p>
-          <a:p>
-            <a:pPr lvl="1"/>
-            <a:r>
-              <a:rPr lang="de-AT"/>
-              <a:t>Sehr viele Funktionen</a:t>
-            </a:r>
-          </a:p>
-          <a:p>
-            <a:pPr lvl="1"/>
-            <a:r>
-              <a:rPr lang="de-AT"/>
-              <a:t>Sehr gute Dokumentation</a:t>
-            </a:r>
-          </a:p>
-          <a:p>
-            <a:pPr marL="457200" lvl="1" indent="0">
-              <a:buNone/>
-            </a:pPr>
-            <a:endParaRPr lang="de-AT"/>
-          </a:p>
-          <a:p>
-            <a:r>
-              <a:rPr lang="de-AT"/>
-              <a:t>MongoDB</a:t>
-            </a:r>
-          </a:p>
-          <a:p>
-            <a:pPr lvl="1"/>
-            <a:r>
-              <a:rPr lang="de-AT"/>
-              <a:t>Nicht relationale Datenbank </a:t>
-            </a:r>
-          </a:p>
-          <a:p>
-            <a:pPr lvl="1"/>
-            <a:endParaRPr lang="de-AT"/>
-          </a:p>
-          <a:p>
-            <a:pPr lvl="1"/>
-            <a:endParaRPr lang="de-AT"/>
-          </a:p>
-          <a:p>
-            <a:pPr lvl="1"/>
-            <a:endParaRPr lang="de-AT" dirty="0"/>
-          </a:p>
-        </p:txBody>
-      </p:sp>
-      <p:pic>
-        <p:nvPicPr>
-          <p:cNvPr id="5" name="Grafik 4" descr="Ein Bild, das Zeichnung enthält.&#10;&#10;Automatisch generierte Beschreibung">
-            <a:extLst>
-              <a:ext uri="{FF2B5EF4-FFF2-40B4-BE49-F238E27FC236}">
-                <a16:creationId xmlns:a16="http://schemas.microsoft.com/office/drawing/2014/main" id="{BCD60575-8B54-4E59-A43A-05CBEE99DD2F}"/>
-              </a:ext>
-            </a:extLst>
-          </p:cNvPr>
-          <p:cNvPicPr>
-            <a:picLocks noChangeAspect="1"/>
-          </p:cNvPicPr>
-          <p:nvPr/>
-        </p:nvPicPr>
-        <p:blipFill>
-          <a:blip r:embed="rId2">
-            <a:extLst>
-              <a:ext uri="{28A0092B-C50C-407E-A947-70E740481C1C}">
-                <a14:useLocalDpi xmlns:a14="http://schemas.microsoft.com/office/drawing/2010/main" val="0"/>
-              </a:ext>
-            </a:extLst>
-          </a:blip>
-          <a:stretch>
-            <a:fillRect/>
-          </a:stretch>
-        </p:blipFill>
-        <p:spPr>
-          <a:xfrm>
-            <a:off x="6885206" y="528638"/>
-            <a:ext cx="1905000" cy="1962150"/>
-          </a:xfrm>
-          <a:prstGeom prst="rect">
-            <a:avLst/>
-          </a:prstGeom>
-        </p:spPr>
-      </p:pic>
-      <p:pic>
-        <p:nvPicPr>
-          <p:cNvPr id="7" name="Grafik 6">
-            <a:extLst>
-              <a:ext uri="{FF2B5EF4-FFF2-40B4-BE49-F238E27FC236}">
-                <a16:creationId xmlns:a16="http://schemas.microsoft.com/office/drawing/2014/main" id="{7F9A7D21-DA35-4C95-A2A2-F23AAD9140BA}"/>
-              </a:ext>
-            </a:extLst>
-          </p:cNvPr>
-          <p:cNvPicPr>
-            <a:picLocks noChangeAspect="1"/>
-          </p:cNvPicPr>
-          <p:nvPr/>
-        </p:nvPicPr>
-        <p:blipFill>
-          <a:blip r:embed="rId3">
-            <a:extLst>
-              <a:ext uri="{28A0092B-C50C-407E-A947-70E740481C1C}">
-                <a14:useLocalDpi xmlns:a14="http://schemas.microsoft.com/office/drawing/2010/main" val="0"/>
-              </a:ext>
-            </a:extLst>
-          </a:blip>
-          <a:stretch>
-            <a:fillRect/>
-          </a:stretch>
-        </p:blipFill>
-        <p:spPr>
-          <a:xfrm>
-            <a:off x="7837706" y="3307447"/>
-            <a:ext cx="3185428" cy="3185428"/>
-          </a:xfrm>
-          <a:prstGeom prst="rect">
-            <a:avLst/>
-          </a:prstGeom>
-        </p:spPr>
-      </p:pic>
-    </p:spTree>
-    <p:extLst>
-      <p:ext uri="{BB962C8B-B14F-4D97-AF65-F5344CB8AC3E}">
-        <p14:creationId xmlns:p14="http://schemas.microsoft.com/office/powerpoint/2010/main" val="945586520"/>
-      </p:ext>
-    </p:extLst>
-  </p:cSld>
-  <p:clrMapOvr>
-    <a:masterClrMapping/>
-  </p:clrMapOvr>
-</p:sld>
-</file>
-
-<file path=ppt/slides/slide5.xml><?xml version="1.0" encoding="utf-8"?>
-<p:sld xmlns:a="http://schemas.openxmlformats.org/drawingml/2006/main" xmlns:r="http://schemas.openxmlformats.org/officeDocument/2006/relationships" xmlns:p="http://schemas.openxmlformats.org/presentationml/2006/main">
-  <p:cSld>
-    <p:spTree>
-      <p:nvGrpSpPr>
-        <p:cNvPr id="1" name=""/>
-        <p:cNvGrpSpPr/>
-        <p:nvPr/>
-      </p:nvGrpSpPr>
-      <p:grpSpPr>
-        <a:xfrm>
-          <a:off x="0" y="0"/>
-          <a:ext cx="0" cy="0"/>
-          <a:chOff x="0" y="0"/>
-          <a:chExt cx="0" cy="0"/>
-        </a:xfrm>
-      </p:grpSpPr>
-      <p:sp>
-        <p:nvSpPr>
-          <p:cNvPr id="2" name="Titel 1">
-            <a:extLst>
-              <a:ext uri="{FF2B5EF4-FFF2-40B4-BE49-F238E27FC236}">
-                <a16:creationId xmlns:a16="http://schemas.microsoft.com/office/drawing/2014/main" id="{FA0CFC17-7092-45A7-A489-20FA08DECA0B}"/>
-              </a:ext>
-            </a:extLst>
-          </p:cNvPr>
-          <p:cNvSpPr>
-            <a:spLocks noGrp="1"/>
-          </p:cNvSpPr>
-          <p:nvPr>
-            <p:ph type="title"/>
-          </p:nvPr>
-        </p:nvSpPr>
-        <p:spPr/>
-        <p:txBody>
-          <a:bodyPr/>
-          <a:lstStyle/>
-          <a:p>
-            <a:r>
-              <a:rPr lang="de-DE" dirty="0"/>
-              <a:t>Realisiert 2.0</a:t>
-            </a:r>
-            <a:endParaRPr lang="de-AT" dirty="0"/>
-          </a:p>
-        </p:txBody>
-      </p:sp>
-      <p:sp>
-        <p:nvSpPr>
-          <p:cNvPr id="3" name="Inhaltsplatzhalter 2">
-            <a:extLst>
-              <a:ext uri="{FF2B5EF4-FFF2-40B4-BE49-F238E27FC236}">
-                <a16:creationId xmlns:a16="http://schemas.microsoft.com/office/drawing/2014/main" id="{E08762DA-53FE-4B42-BC26-3005FCE0DFD3}"/>
-              </a:ext>
-            </a:extLst>
-          </p:cNvPr>
-          <p:cNvSpPr>
-            <a:spLocks noGrp="1"/>
-          </p:cNvSpPr>
-          <p:nvPr>
-            <p:ph idx="1"/>
-          </p:nvPr>
-        </p:nvSpPr>
-        <p:spPr/>
-        <p:txBody>
-          <a:bodyPr/>
-          <a:lstStyle/>
-          <a:p>
-            <a:r>
-              <a:rPr lang="de-DE" dirty="0"/>
-              <a:t>Node.js Server</a:t>
-            </a:r>
-          </a:p>
-          <a:p>
-            <a:pPr lvl="1"/>
-            <a:r>
-              <a:rPr lang="de-DE" dirty="0"/>
-              <a:t>Automatische </a:t>
-            </a:r>
-            <a:r>
-              <a:rPr lang="de-DE" dirty="0" err="1"/>
-              <a:t>deployment</a:t>
-            </a:r>
-            <a:r>
-              <a:rPr lang="de-DE" dirty="0"/>
-              <a:t> am Server mit Docker</a:t>
-            </a:r>
-          </a:p>
-          <a:p>
-            <a:pPr lvl="1"/>
-            <a:r>
-              <a:rPr lang="de-DE" dirty="0"/>
-              <a:t>Rest Schnittstelle</a:t>
-            </a:r>
-          </a:p>
-          <a:p>
-            <a:pPr lvl="1"/>
-            <a:r>
-              <a:rPr lang="de-DE" dirty="0"/>
-              <a:t>Datenbank </a:t>
-            </a:r>
-            <a:r>
-              <a:rPr lang="de-DE" dirty="0" err="1"/>
-              <a:t>connection</a:t>
-            </a:r>
-            <a:endParaRPr lang="de-DE" dirty="0"/>
-          </a:p>
-          <a:p>
-            <a:r>
-              <a:rPr lang="de-DE" dirty="0"/>
-              <a:t>Webseite:</a:t>
-            </a:r>
-          </a:p>
-          <a:p>
-            <a:pPr lvl="1"/>
-            <a:r>
-              <a:rPr lang="de-DE" dirty="0"/>
-              <a:t>Google Authenticator </a:t>
-            </a:r>
-          </a:p>
-          <a:p>
-            <a:pPr lvl="1"/>
-            <a:r>
-              <a:rPr lang="de-DE" dirty="0"/>
-              <a:t>Mitarbeiter </a:t>
-            </a:r>
-          </a:p>
-          <a:p>
-            <a:pPr lvl="2"/>
-            <a:r>
-              <a:rPr lang="de-DE" dirty="0"/>
-              <a:t>Anlegen</a:t>
-            </a:r>
-          </a:p>
-          <a:p>
-            <a:pPr lvl="2"/>
-            <a:r>
-              <a:rPr lang="de-DE" dirty="0"/>
-              <a:t>Bearbeiten</a:t>
-            </a:r>
-          </a:p>
-          <a:p>
-            <a:pPr lvl="2"/>
-            <a:r>
-              <a:rPr lang="de-DE" dirty="0"/>
-              <a:t>Löschen</a:t>
-            </a:r>
-          </a:p>
-          <a:p>
-            <a:pPr marL="914400" lvl="2" indent="0">
-              <a:buNone/>
-            </a:pPr>
-            <a:endParaRPr lang="de-DE" dirty="0"/>
-          </a:p>
-          <a:p>
-            <a:pPr lvl="1"/>
-            <a:endParaRPr lang="de-DE" dirty="0"/>
-          </a:p>
-          <a:p>
-            <a:pPr marL="457200" lvl="1" indent="0">
-              <a:buNone/>
-            </a:pPr>
-            <a:endParaRPr lang="de-DE" dirty="0"/>
-          </a:p>
-          <a:p>
-            <a:pPr lvl="1"/>
-            <a:endParaRPr lang="de-DE" dirty="0"/>
-          </a:p>
-          <a:p>
-            <a:pPr lvl="1"/>
-            <a:endParaRPr lang="de-DE" dirty="0"/>
-          </a:p>
-          <a:p>
-            <a:pPr lvl="1"/>
-            <a:endParaRPr lang="de-AT" dirty="0"/>
-          </a:p>
-        </p:txBody>
-      </p:sp>
-      <p:pic>
-        <p:nvPicPr>
-          <p:cNvPr id="8" name="Grafik 7" descr="Ein Bild, das Screenshot enthält.&#10;&#10;Automatisch generierte Beschreibung">
-            <a:extLst>
-              <a:ext uri="{FF2B5EF4-FFF2-40B4-BE49-F238E27FC236}">
-                <a16:creationId xmlns:a16="http://schemas.microsoft.com/office/drawing/2014/main" id="{E1897A54-8D7B-46C3-89C2-99DC682C9CE5}"/>
-              </a:ext>
-            </a:extLst>
-          </p:cNvPr>
-          <p:cNvPicPr>
-            <a:picLocks noChangeAspect="1"/>
-          </p:cNvPicPr>
-          <p:nvPr/>
-        </p:nvPicPr>
-        <p:blipFill rotWithShape="1">
-          <a:blip r:embed="rId2">
-            <a:extLst>
-              <a:ext uri="{28A0092B-C50C-407E-A947-70E740481C1C}">
-                <a14:useLocalDpi xmlns:a14="http://schemas.microsoft.com/office/drawing/2010/main" val="0"/>
-              </a:ext>
-            </a:extLst>
-          </a:blip>
-          <a:srcRect l="595" t="51804" r="1"/>
-          <a:stretch/>
-        </p:blipFill>
-        <p:spPr>
-          <a:xfrm>
-            <a:off x="6252082" y="3853418"/>
-            <a:ext cx="2414332" cy="670530"/>
-          </a:xfrm>
-          <a:prstGeom prst="rect">
-            <a:avLst/>
-          </a:prstGeom>
-        </p:spPr>
-      </p:pic>
-      <p:pic>
-        <p:nvPicPr>
-          <p:cNvPr id="10" name="Grafik 9" descr="Ein Bild, das Uhr, Objekt enthält.&#10;&#10;Automatisch generierte Beschreibung">
-            <a:extLst>
-              <a:ext uri="{FF2B5EF4-FFF2-40B4-BE49-F238E27FC236}">
-                <a16:creationId xmlns:a16="http://schemas.microsoft.com/office/drawing/2014/main" id="{B0C68DAB-E819-4336-9B63-AEEFF2D392A6}"/>
-              </a:ext>
-            </a:extLst>
-          </p:cNvPr>
-          <p:cNvPicPr>
-            <a:picLocks noChangeAspect="1"/>
-          </p:cNvPicPr>
-          <p:nvPr/>
-        </p:nvPicPr>
-        <p:blipFill>
-          <a:blip r:embed="rId3">
-            <a:extLst>
-              <a:ext uri="{28A0092B-C50C-407E-A947-70E740481C1C}">
-                <a14:useLocalDpi xmlns:a14="http://schemas.microsoft.com/office/drawing/2010/main" val="0"/>
-              </a:ext>
-            </a:extLst>
-          </a:blip>
-          <a:stretch>
-            <a:fillRect/>
-          </a:stretch>
-        </p:blipFill>
-        <p:spPr>
-          <a:xfrm>
-            <a:off x="8056633" y="2668068"/>
-            <a:ext cx="3023532" cy="1216975"/>
-          </a:xfrm>
-          <a:prstGeom prst="rect">
-            <a:avLst/>
-          </a:prstGeom>
-        </p:spPr>
-      </p:pic>
-      <p:pic>
-        <p:nvPicPr>
-          <p:cNvPr id="12" name="Grafik 11" descr="Ein Bild, das Zeichnung enthält.&#10;&#10;Automatisch generierte Beschreibung">
-            <a:extLst>
-              <a:ext uri="{FF2B5EF4-FFF2-40B4-BE49-F238E27FC236}">
-                <a16:creationId xmlns:a16="http://schemas.microsoft.com/office/drawing/2014/main" id="{58BED56F-D11F-41B9-90AF-47AE964AF45B}"/>
-              </a:ext>
-            </a:extLst>
-          </p:cNvPr>
-          <p:cNvPicPr>
-            <a:picLocks noChangeAspect="1"/>
-          </p:cNvPicPr>
-          <p:nvPr/>
-        </p:nvPicPr>
-        <p:blipFill>
-          <a:blip r:embed="rId4">
-            <a:extLst>
-              <a:ext uri="{28A0092B-C50C-407E-A947-70E740481C1C}">
-                <a14:useLocalDpi xmlns:a14="http://schemas.microsoft.com/office/drawing/2010/main" val="0"/>
-              </a:ext>
-            </a:extLst>
-          </a:blip>
-          <a:stretch>
-            <a:fillRect/>
-          </a:stretch>
-        </p:blipFill>
-        <p:spPr>
-          <a:xfrm>
-            <a:off x="7240548" y="938535"/>
-            <a:ext cx="1425866" cy="1261869"/>
-          </a:xfrm>
-          <a:prstGeom prst="rect">
-            <a:avLst/>
-          </a:prstGeom>
-        </p:spPr>
-      </p:pic>
-      <p:pic>
-        <p:nvPicPr>
-          <p:cNvPr id="14" name="Grafik 13" descr="Ein Bild, das Screenshot, Zeichnung enthält.&#10;&#10;Automatisch generierte Beschreibung">
-            <a:extLst>
-              <a:ext uri="{FF2B5EF4-FFF2-40B4-BE49-F238E27FC236}">
-                <a16:creationId xmlns:a16="http://schemas.microsoft.com/office/drawing/2014/main" id="{B5D692A5-34CF-4377-BA07-195DE0FA8E21}"/>
-              </a:ext>
-            </a:extLst>
-          </p:cNvPr>
-          <p:cNvPicPr>
-            <a:picLocks noChangeAspect="1"/>
-          </p:cNvPicPr>
-          <p:nvPr/>
-        </p:nvPicPr>
-        <p:blipFill rotWithShape="1">
-          <a:blip r:embed="rId5">
-            <a:extLst>
-              <a:ext uri="{28A0092B-C50C-407E-A947-70E740481C1C}">
-                <a14:useLocalDpi xmlns:a14="http://schemas.microsoft.com/office/drawing/2010/main" val="0"/>
-              </a:ext>
-            </a:extLst>
-          </a:blip>
-          <a:srcRect l="17207" t="19425" r="16600" b="19511"/>
-          <a:stretch/>
-        </p:blipFill>
-        <p:spPr>
-          <a:xfrm>
-            <a:off x="4678383" y="4775209"/>
-            <a:ext cx="2835233" cy="1494625"/>
-          </a:xfrm>
-          <a:prstGeom prst="rect">
-            <a:avLst/>
-          </a:prstGeom>
-        </p:spPr>
-      </p:pic>
-    </p:spTree>
-    <p:extLst>
-      <p:ext uri="{BB962C8B-B14F-4D97-AF65-F5344CB8AC3E}">
-        <p14:creationId xmlns:p14="http://schemas.microsoft.com/office/powerpoint/2010/main" val="1267755969"/>
-      </p:ext>
-    </p:extLst>
-  </p:cSld>
-  <p:clrMapOvr>
-    <a:masterClrMapping/>
-  </p:clrMapOvr>
-</p:sld>
-</file>
-
-<file path=ppt/slides/slide6.xml><?xml version="1.0" encoding="utf-8"?>
 <p:sld xmlns:a="http://schemas.openxmlformats.org/drawingml/2006/main" xmlns:r="http://schemas.openxmlformats.org/officeDocument/2006/relationships" xmlns:p="http://schemas.openxmlformats.org/presentationml/2006/main">
   <p:cSld>
     <p:bg>
@@ -4533,12 +4180,730 @@
           <a:chExt cx="0" cy="0"/>
         </a:xfrm>
       </p:grpSpPr>
+      <p:sp>
+        <p:nvSpPr>
+          <p:cNvPr id="12" name="Rectangle 11">
+            <a:extLst>
+              <a:ext uri="{FF2B5EF4-FFF2-40B4-BE49-F238E27FC236}">
+                <a16:creationId xmlns:a16="http://schemas.microsoft.com/office/drawing/2014/main" id="{E02F3C71-C981-4614-98EA-D6C494F8091E}"/>
+              </a:ext>
+              <a:ext uri="{C183D7F6-B498-43B3-948B-1728B52AA6E4}">
+                <adec:decorative xmlns:adec="http://schemas.microsoft.com/office/drawing/2017/decorative" val="1"/>
+              </a:ext>
+            </a:extLst>
+          </p:cNvPr>
+          <p:cNvSpPr>
+            <a:spLocks noGrp="1" noRot="1" noChangeAspect="1" noMove="1" noResize="1" noEditPoints="1" noAdjustHandles="1" noChangeArrowheads="1" noChangeShapeType="1" noTextEdit="1"/>
+          </p:cNvSpPr>
+          <p:nvPr>
+            <p:extLst>
+              <p:ext uri="{386F3935-93C4-4BCD-93E2-E3B085C9AB24}">
+                <p16:designElem xmlns:p16="http://schemas.microsoft.com/office/powerpoint/2015/main" val="1"/>
+              </p:ext>
+            </p:extLst>
+          </p:nvPr>
+        </p:nvSpPr>
+        <p:spPr bwMode="ltGray">
+          <a:xfrm>
+            <a:off x="336883" y="321176"/>
+            <a:ext cx="7174247" cy="5896743"/>
+          </a:xfrm>
+          <a:prstGeom prst="rect">
+            <a:avLst/>
+          </a:prstGeom>
+          <a:solidFill>
+            <a:schemeClr val="tx1">
+              <a:alpha val="15000"/>
+            </a:schemeClr>
+          </a:solidFill>
+          <a:ln w="127000" cap="sq" cmpd="thinThick">
+            <a:solidFill>
+              <a:schemeClr val="tx1">
+                <a:alpha val="10000"/>
+              </a:schemeClr>
+            </a:solidFill>
+          </a:ln>
+        </p:spPr>
+        <p:style>
+          <a:lnRef idx="2">
+            <a:schemeClr val="accent1">
+              <a:shade val="50000"/>
+            </a:schemeClr>
+          </a:lnRef>
+          <a:fillRef idx="1">
+            <a:schemeClr val="accent1"/>
+          </a:fillRef>
+          <a:effectRef idx="0">
+            <a:schemeClr val="accent1"/>
+          </a:effectRef>
+          <a:fontRef idx="minor">
+            <a:schemeClr val="lt1"/>
+          </a:fontRef>
+        </p:style>
+        <p:txBody>
+          <a:bodyPr rtlCol="0" anchor="ctr"/>
+          <a:lstStyle/>
+          <a:p>
+            <a:pPr algn="ctr"/>
+            <a:endParaRPr lang="en-US"/>
+          </a:p>
+        </p:txBody>
+      </p:sp>
+      <p:sp>
+        <p:nvSpPr>
+          <p:cNvPr id="2" name="Titel 1">
+            <a:extLst>
+              <a:ext uri="{FF2B5EF4-FFF2-40B4-BE49-F238E27FC236}">
+                <a16:creationId xmlns:a16="http://schemas.microsoft.com/office/drawing/2014/main" id="{242E2C5F-D027-4D50-803B-279AFAF83A9F}"/>
+              </a:ext>
+            </a:extLst>
+          </p:cNvPr>
+          <p:cNvSpPr>
+            <a:spLocks noGrp="1"/>
+          </p:cNvSpPr>
+          <p:nvPr>
+            <p:ph type="title"/>
+          </p:nvPr>
+        </p:nvSpPr>
+        <p:spPr>
+          <a:xfrm>
+            <a:off x="821516" y="640263"/>
+            <a:ext cx="6204984" cy="1344975"/>
+          </a:xfrm>
+        </p:spPr>
+        <p:txBody>
+          <a:bodyPr>
+            <a:normAutofit/>
+          </a:bodyPr>
+          <a:lstStyle/>
+          <a:p>
+            <a:r>
+              <a:rPr lang="de-AT" sz="4000"/>
+              <a:t>Realisiert</a:t>
+            </a:r>
+          </a:p>
+        </p:txBody>
+      </p:sp>
+      <p:sp>
+        <p:nvSpPr>
+          <p:cNvPr id="3" name="Inhaltsplatzhalter 2">
+            <a:extLst>
+              <a:ext uri="{FF2B5EF4-FFF2-40B4-BE49-F238E27FC236}">
+                <a16:creationId xmlns:a16="http://schemas.microsoft.com/office/drawing/2014/main" id="{D36CB055-4088-4223-A87C-19E8692A541E}"/>
+              </a:ext>
+            </a:extLst>
+          </p:cNvPr>
+          <p:cNvSpPr>
+            <a:spLocks noGrp="1"/>
+          </p:cNvSpPr>
+          <p:nvPr>
+            <p:ph idx="1"/>
+          </p:nvPr>
+        </p:nvSpPr>
+        <p:spPr>
+          <a:xfrm>
+            <a:off x="821515" y="2121762"/>
+            <a:ext cx="6204984" cy="3626917"/>
+          </a:xfrm>
+        </p:spPr>
+        <p:txBody>
+          <a:bodyPr>
+            <a:normAutofit/>
+          </a:bodyPr>
+          <a:lstStyle/>
+          <a:p>
+            <a:r>
+              <a:rPr lang="de-AT" sz="2400" dirty="0"/>
+              <a:t>PostgreSQL Datenbank</a:t>
+            </a:r>
+          </a:p>
+          <a:p>
+            <a:pPr lvl="1"/>
+            <a:r>
+              <a:rPr lang="de-AT" dirty="0"/>
+              <a:t>Open Source SQL Datenbank</a:t>
+            </a:r>
+          </a:p>
+          <a:p>
+            <a:pPr lvl="1"/>
+            <a:r>
+              <a:rPr lang="de-AT" dirty="0"/>
+              <a:t>Sehr viele Funktionen</a:t>
+            </a:r>
+          </a:p>
+          <a:p>
+            <a:pPr lvl="1"/>
+            <a:r>
+              <a:rPr lang="de-AT" dirty="0"/>
+              <a:t>Sehr gute Dokumentation</a:t>
+            </a:r>
+          </a:p>
+          <a:p>
+            <a:pPr marL="457200" lvl="1" indent="0">
+              <a:buNone/>
+            </a:pPr>
+            <a:endParaRPr lang="de-AT" dirty="0"/>
+          </a:p>
+          <a:p>
+            <a:r>
+              <a:rPr lang="de-AT" sz="2400" dirty="0"/>
+              <a:t>MongoDB</a:t>
+            </a:r>
+          </a:p>
+          <a:p>
+            <a:pPr lvl="1"/>
+            <a:r>
+              <a:rPr lang="de-AT" dirty="0"/>
+              <a:t>Nicht relationale Datenbank </a:t>
+            </a:r>
+          </a:p>
+          <a:p>
+            <a:pPr marL="457200" lvl="1" indent="0">
+              <a:buNone/>
+            </a:pPr>
+            <a:endParaRPr lang="de-AT" dirty="0"/>
+          </a:p>
+          <a:p>
+            <a:pPr lvl="1"/>
+            <a:endParaRPr lang="de-AT" dirty="0"/>
+          </a:p>
+          <a:p>
+            <a:pPr lvl="1"/>
+            <a:endParaRPr lang="de-AT" dirty="0"/>
+          </a:p>
+        </p:txBody>
+      </p:sp>
+      <p:pic>
+        <p:nvPicPr>
+          <p:cNvPr id="7" name="Grafik 6">
+            <a:extLst>
+              <a:ext uri="{FF2B5EF4-FFF2-40B4-BE49-F238E27FC236}">
+                <a16:creationId xmlns:a16="http://schemas.microsoft.com/office/drawing/2014/main" id="{7F9A7D21-DA35-4C95-A2A2-F23AAD9140BA}"/>
+              </a:ext>
+            </a:extLst>
+          </p:cNvPr>
+          <p:cNvPicPr>
+            <a:picLocks noChangeAspect="1"/>
+          </p:cNvPicPr>
+          <p:nvPr/>
+        </p:nvPicPr>
+        <p:blipFill>
+          <a:blip r:embed="rId2">
+            <a:extLst>
+              <a:ext uri="{28A0092B-C50C-407E-A947-70E740481C1C}">
+                <a14:useLocalDpi xmlns:a14="http://schemas.microsoft.com/office/drawing/2010/main" val="0"/>
+              </a:ext>
+            </a:extLst>
+          </a:blip>
+          <a:stretch>
+            <a:fillRect/>
+          </a:stretch>
+        </p:blipFill>
+        <p:spPr>
+          <a:xfrm>
+            <a:off x="8707755" y="306909"/>
+            <a:ext cx="2286000" cy="2286000"/>
+          </a:xfrm>
+          <a:prstGeom prst="rect">
+            <a:avLst/>
+          </a:prstGeom>
+        </p:spPr>
+      </p:pic>
+      <p:pic>
+        <p:nvPicPr>
+          <p:cNvPr id="5" name="Grafik 4" descr="Ein Bild, das Zeichnung enthält.&#10;&#10;Automatisch generierte Beschreibung">
+            <a:extLst>
+              <a:ext uri="{FF2B5EF4-FFF2-40B4-BE49-F238E27FC236}">
+                <a16:creationId xmlns:a16="http://schemas.microsoft.com/office/drawing/2014/main" id="{BCD60575-8B54-4E59-A43A-05CBEE99DD2F}"/>
+              </a:ext>
+            </a:extLst>
+          </p:cNvPr>
+          <p:cNvPicPr>
+            <a:picLocks noChangeAspect="1"/>
+          </p:cNvPicPr>
+          <p:nvPr/>
+        </p:nvPicPr>
+        <p:blipFill>
+          <a:blip r:embed="rId3">
+            <a:extLst>
+              <a:ext uri="{28A0092B-C50C-407E-A947-70E740481C1C}">
+                <a14:useLocalDpi xmlns:a14="http://schemas.microsoft.com/office/drawing/2010/main" val="0"/>
+              </a:ext>
+            </a:extLst>
+          </a:blip>
+          <a:stretch>
+            <a:fillRect/>
+          </a:stretch>
+        </p:blipFill>
+        <p:spPr>
+          <a:xfrm>
+            <a:off x="8205613" y="2828925"/>
+            <a:ext cx="3290285" cy="3388994"/>
+          </a:xfrm>
+          <a:prstGeom prst="rect">
+            <a:avLst/>
+          </a:prstGeom>
+        </p:spPr>
+      </p:pic>
+    </p:spTree>
+    <p:extLst>
+      <p:ext uri="{BB962C8B-B14F-4D97-AF65-F5344CB8AC3E}">
+        <p14:creationId xmlns:p14="http://schemas.microsoft.com/office/powerpoint/2010/main" val="945586520"/>
+      </p:ext>
+    </p:extLst>
+  </p:cSld>
+  <p:clrMapOvr>
+    <a:masterClrMapping/>
+  </p:clrMapOvr>
+</p:sld>
+</file>
+
+<file path=ppt/slides/slide5.xml><?xml version="1.0" encoding="utf-8"?>
+<p:sld xmlns:a="http://schemas.openxmlformats.org/drawingml/2006/main" xmlns:r="http://schemas.openxmlformats.org/officeDocument/2006/relationships" xmlns:p="http://schemas.openxmlformats.org/presentationml/2006/main">
+  <p:cSld>
+    <p:bg>
+      <p:bgPr>
+        <a:solidFill>
+          <a:schemeClr val="bg1"/>
+        </a:solidFill>
+        <a:effectLst/>
+      </p:bgPr>
+    </p:bg>
+    <p:spTree>
+      <p:nvGrpSpPr>
+        <p:cNvPr id="1" name=""/>
+        <p:cNvGrpSpPr/>
+        <p:nvPr/>
+      </p:nvGrpSpPr>
+      <p:grpSpPr>
+        <a:xfrm>
+          <a:off x="0" y="0"/>
+          <a:ext cx="0" cy="0"/>
+          <a:chOff x="0" y="0"/>
+          <a:chExt cx="0" cy="0"/>
+        </a:xfrm>
+      </p:grpSpPr>
+      <p:sp>
+        <p:nvSpPr>
+          <p:cNvPr id="19" name="Rectangle 18">
+            <a:extLst>
+              <a:ext uri="{FF2B5EF4-FFF2-40B4-BE49-F238E27FC236}">
+                <a16:creationId xmlns:a16="http://schemas.microsoft.com/office/drawing/2014/main" id="{27C695D9-6183-4595-ABB2-7C2EF591721D}"/>
+              </a:ext>
+              <a:ext uri="{C183D7F6-B498-43B3-948B-1728B52AA6E4}">
+                <adec:decorative xmlns:adec="http://schemas.microsoft.com/office/drawing/2017/decorative" val="1"/>
+              </a:ext>
+            </a:extLst>
+          </p:cNvPr>
+          <p:cNvSpPr>
+            <a:spLocks noGrp="1" noRot="1" noChangeAspect="1" noMove="1" noResize="1" noEditPoints="1" noAdjustHandles="1" noChangeArrowheads="1" noChangeShapeType="1" noTextEdit="1"/>
+          </p:cNvSpPr>
+          <p:nvPr>
+            <p:extLst>
+              <p:ext uri="{386F3935-93C4-4BCD-93E2-E3B085C9AB24}">
+                <p16:designElem xmlns:p16="http://schemas.microsoft.com/office/powerpoint/2015/main" val="1"/>
+              </p:ext>
+            </p:extLst>
+          </p:nvPr>
+        </p:nvSpPr>
+        <p:spPr bwMode="ltGray">
+          <a:xfrm>
+            <a:off x="336883" y="321176"/>
+            <a:ext cx="5759117" cy="5896743"/>
+          </a:xfrm>
+          <a:prstGeom prst="rect">
+            <a:avLst/>
+          </a:prstGeom>
+          <a:solidFill>
+            <a:schemeClr val="tx1">
+              <a:alpha val="15000"/>
+            </a:schemeClr>
+          </a:solidFill>
+          <a:ln w="127000" cap="sq" cmpd="thinThick">
+            <a:solidFill>
+              <a:schemeClr val="tx1">
+                <a:alpha val="10000"/>
+              </a:schemeClr>
+            </a:solidFill>
+          </a:ln>
+        </p:spPr>
+        <p:style>
+          <a:lnRef idx="2">
+            <a:schemeClr val="accent1">
+              <a:shade val="50000"/>
+            </a:schemeClr>
+          </a:lnRef>
+          <a:fillRef idx="1">
+            <a:schemeClr val="accent1"/>
+          </a:fillRef>
+          <a:effectRef idx="0">
+            <a:schemeClr val="accent1"/>
+          </a:effectRef>
+          <a:fontRef idx="minor">
+            <a:schemeClr val="lt1"/>
+          </a:fontRef>
+        </p:style>
+        <p:txBody>
+          <a:bodyPr rtlCol="0" anchor="ctr"/>
+          <a:lstStyle/>
+          <a:p>
+            <a:pPr algn="ctr"/>
+            <a:endParaRPr lang="en-US"/>
+          </a:p>
+        </p:txBody>
+      </p:sp>
+      <p:sp>
+        <p:nvSpPr>
+          <p:cNvPr id="2" name="Titel 1">
+            <a:extLst>
+              <a:ext uri="{FF2B5EF4-FFF2-40B4-BE49-F238E27FC236}">
+                <a16:creationId xmlns:a16="http://schemas.microsoft.com/office/drawing/2014/main" id="{FA0CFC17-7092-45A7-A489-20FA08DECA0B}"/>
+              </a:ext>
+            </a:extLst>
+          </p:cNvPr>
+          <p:cNvSpPr>
+            <a:spLocks noGrp="1"/>
+          </p:cNvSpPr>
+          <p:nvPr>
+            <p:ph type="title"/>
+          </p:nvPr>
+        </p:nvSpPr>
+        <p:spPr>
+          <a:xfrm>
+            <a:off x="821516" y="640263"/>
+            <a:ext cx="4911826" cy="1344975"/>
+          </a:xfrm>
+        </p:spPr>
+        <p:txBody>
+          <a:bodyPr>
+            <a:normAutofit/>
+          </a:bodyPr>
+          <a:lstStyle/>
+          <a:p>
+            <a:r>
+              <a:rPr lang="de-DE" sz="4000"/>
+              <a:t>Realisiert 2.0</a:t>
+            </a:r>
+            <a:endParaRPr lang="de-AT" sz="4000"/>
+          </a:p>
+        </p:txBody>
+      </p:sp>
+      <p:sp>
+        <p:nvSpPr>
+          <p:cNvPr id="3" name="Inhaltsplatzhalter 2">
+            <a:extLst>
+              <a:ext uri="{FF2B5EF4-FFF2-40B4-BE49-F238E27FC236}">
+                <a16:creationId xmlns:a16="http://schemas.microsoft.com/office/drawing/2014/main" id="{E08762DA-53FE-4B42-BC26-3005FCE0DFD3}"/>
+              </a:ext>
+            </a:extLst>
+          </p:cNvPr>
+          <p:cNvSpPr>
+            <a:spLocks noGrp="1"/>
+          </p:cNvSpPr>
+          <p:nvPr>
+            <p:ph idx="1"/>
+          </p:nvPr>
+        </p:nvSpPr>
+        <p:spPr>
+          <a:xfrm>
+            <a:off x="821515" y="2121762"/>
+            <a:ext cx="5000787" cy="3626917"/>
+          </a:xfrm>
+        </p:spPr>
+        <p:txBody>
+          <a:bodyPr>
+            <a:normAutofit/>
+          </a:bodyPr>
+          <a:lstStyle/>
+          <a:p>
+            <a:r>
+              <a:rPr lang="de-DE" sz="1900" dirty="0"/>
+              <a:t>Node.js Server</a:t>
+            </a:r>
+          </a:p>
+          <a:p>
+            <a:pPr lvl="1"/>
+            <a:r>
+              <a:rPr lang="de-DE" sz="1900" dirty="0"/>
+              <a:t>Automatische </a:t>
+            </a:r>
+            <a:r>
+              <a:rPr lang="de-DE" sz="1900" dirty="0" err="1"/>
+              <a:t>deployment</a:t>
+            </a:r>
+            <a:r>
+              <a:rPr lang="de-DE" sz="1900" dirty="0"/>
+              <a:t> am Server mit Docker</a:t>
+            </a:r>
+          </a:p>
+          <a:p>
+            <a:pPr lvl="1"/>
+            <a:r>
+              <a:rPr lang="de-DE" sz="1900" dirty="0"/>
+              <a:t>Rest Schnittstelle</a:t>
+            </a:r>
+          </a:p>
+          <a:p>
+            <a:pPr lvl="1"/>
+            <a:r>
+              <a:rPr lang="de-DE" sz="1900" dirty="0"/>
+              <a:t>Datenbank </a:t>
+            </a:r>
+            <a:r>
+              <a:rPr lang="de-DE" sz="1900" dirty="0" err="1"/>
+              <a:t>connection</a:t>
+            </a:r>
+            <a:endParaRPr lang="de-DE" sz="1900" dirty="0"/>
+          </a:p>
+          <a:p>
+            <a:r>
+              <a:rPr lang="de-DE" sz="1900" dirty="0"/>
+              <a:t>Webseite:</a:t>
+            </a:r>
+          </a:p>
+          <a:p>
+            <a:pPr lvl="1"/>
+            <a:r>
+              <a:rPr lang="de-DE" sz="1900" dirty="0"/>
+              <a:t>Google Authenticator </a:t>
+            </a:r>
+          </a:p>
+          <a:p>
+            <a:pPr lvl="1"/>
+            <a:r>
+              <a:rPr lang="de-DE" sz="1900" dirty="0"/>
+              <a:t>Mitarbeiter </a:t>
+            </a:r>
+          </a:p>
+          <a:p>
+            <a:pPr lvl="2"/>
+            <a:r>
+              <a:rPr lang="de-DE" sz="1900" dirty="0"/>
+              <a:t>Anlegen</a:t>
+            </a:r>
+          </a:p>
+          <a:p>
+            <a:pPr lvl="2"/>
+            <a:r>
+              <a:rPr lang="de-DE" sz="1900" dirty="0"/>
+              <a:t>Bearbeiten</a:t>
+            </a:r>
+          </a:p>
+          <a:p>
+            <a:pPr lvl="2"/>
+            <a:r>
+              <a:rPr lang="de-DE" sz="1900" dirty="0"/>
+              <a:t>Löschen</a:t>
+            </a:r>
+          </a:p>
+          <a:p>
+            <a:pPr marL="914400" lvl="2" indent="0">
+              <a:buNone/>
+            </a:pPr>
+            <a:endParaRPr lang="de-DE" sz="1900" dirty="0"/>
+          </a:p>
+          <a:p>
+            <a:pPr lvl="1"/>
+            <a:endParaRPr lang="de-DE" sz="1900" dirty="0"/>
+          </a:p>
+          <a:p>
+            <a:pPr marL="457200" lvl="1" indent="0">
+              <a:buNone/>
+            </a:pPr>
+            <a:endParaRPr lang="de-DE" sz="1900" dirty="0"/>
+          </a:p>
+          <a:p>
+            <a:pPr lvl="1"/>
+            <a:endParaRPr lang="de-DE" sz="1900" dirty="0"/>
+          </a:p>
+          <a:p>
+            <a:pPr lvl="1"/>
+            <a:endParaRPr lang="de-DE" sz="1900" dirty="0"/>
+          </a:p>
+          <a:p>
+            <a:pPr lvl="1"/>
+            <a:endParaRPr lang="de-AT" sz="1900" dirty="0"/>
+          </a:p>
+        </p:txBody>
+      </p:sp>
+      <p:pic>
+        <p:nvPicPr>
+          <p:cNvPr id="14" name="Grafik 13" descr="Ein Bild, das Screenshot, Zeichnung enthält.&#10;&#10;Automatisch generierte Beschreibung">
+            <a:extLst>
+              <a:ext uri="{FF2B5EF4-FFF2-40B4-BE49-F238E27FC236}">
+                <a16:creationId xmlns:a16="http://schemas.microsoft.com/office/drawing/2014/main" id="{B5D692A5-34CF-4377-BA07-195DE0FA8E21}"/>
+              </a:ext>
+            </a:extLst>
+          </p:cNvPr>
+          <p:cNvPicPr>
+            <a:picLocks noChangeAspect="1"/>
+          </p:cNvPicPr>
+          <p:nvPr/>
+        </p:nvPicPr>
+        <p:blipFill rotWithShape="1">
+          <a:blip r:embed="rId2">
+            <a:extLst>
+              <a:ext uri="{28A0092B-C50C-407E-A947-70E740481C1C}">
+                <a14:useLocalDpi xmlns:a14="http://schemas.microsoft.com/office/drawing/2010/main" val="0"/>
+              </a:ext>
+            </a:extLst>
+          </a:blip>
+          <a:srcRect l="17207" t="19425" r="16600" b="19511"/>
+          <a:stretch/>
+        </p:blipFill>
+        <p:spPr>
+          <a:xfrm>
+            <a:off x="6555442" y="1421349"/>
+            <a:ext cx="2400970" cy="1268047"/>
+          </a:xfrm>
+          <a:prstGeom prst="rect">
+            <a:avLst/>
+          </a:prstGeom>
+        </p:spPr>
+      </p:pic>
+      <p:pic>
+        <p:nvPicPr>
+          <p:cNvPr id="10" name="Grafik 9" descr="Ein Bild, das Uhr, Objekt enthält.&#10;&#10;Automatisch generierte Beschreibung">
+            <a:extLst>
+              <a:ext uri="{FF2B5EF4-FFF2-40B4-BE49-F238E27FC236}">
+                <a16:creationId xmlns:a16="http://schemas.microsoft.com/office/drawing/2014/main" id="{B0C68DAB-E819-4336-9B63-AEEFF2D392A6}"/>
+              </a:ext>
+            </a:extLst>
+          </p:cNvPr>
+          <p:cNvPicPr>
+            <a:picLocks noChangeAspect="1"/>
+          </p:cNvPicPr>
+          <p:nvPr/>
+        </p:nvPicPr>
+        <p:blipFill>
+          <a:blip r:embed="rId3">
+            <a:extLst>
+              <a:ext uri="{28A0092B-C50C-407E-A947-70E740481C1C}">
+                <a14:useLocalDpi xmlns:a14="http://schemas.microsoft.com/office/drawing/2010/main" val="0"/>
+              </a:ext>
+            </a:extLst>
+          </a:blip>
+          <a:stretch>
+            <a:fillRect/>
+          </a:stretch>
+        </p:blipFill>
+        <p:spPr>
+          <a:xfrm>
+            <a:off x="9201257" y="1631790"/>
+            <a:ext cx="2434638" cy="979944"/>
+          </a:xfrm>
+          <a:prstGeom prst="rect">
+            <a:avLst/>
+          </a:prstGeom>
+        </p:spPr>
+      </p:pic>
+      <p:pic>
+        <p:nvPicPr>
+          <p:cNvPr id="12" name="Grafik 11" descr="Ein Bild, das Zeichnung enthält.&#10;&#10;Automatisch generierte Beschreibung">
+            <a:extLst>
+              <a:ext uri="{FF2B5EF4-FFF2-40B4-BE49-F238E27FC236}">
+                <a16:creationId xmlns:a16="http://schemas.microsoft.com/office/drawing/2014/main" id="{58BED56F-D11F-41B9-90AF-47AE964AF45B}"/>
+              </a:ext>
+            </a:extLst>
+          </p:cNvPr>
+          <p:cNvPicPr>
+            <a:picLocks noChangeAspect="1"/>
+          </p:cNvPicPr>
+          <p:nvPr/>
+        </p:nvPicPr>
+        <p:blipFill>
+          <a:blip r:embed="rId4">
+            <a:extLst>
+              <a:ext uri="{28A0092B-C50C-407E-A947-70E740481C1C}">
+                <a14:useLocalDpi xmlns:a14="http://schemas.microsoft.com/office/drawing/2010/main" val="0"/>
+              </a:ext>
+            </a:extLst>
+          </a:blip>
+          <a:stretch>
+            <a:fillRect/>
+          </a:stretch>
+        </p:blipFill>
+        <p:spPr>
+          <a:xfrm>
+            <a:off x="6551674" y="3319156"/>
+            <a:ext cx="2404738" cy="2128154"/>
+          </a:xfrm>
+          <a:prstGeom prst="rect">
+            <a:avLst/>
+          </a:prstGeom>
+        </p:spPr>
+      </p:pic>
+      <p:pic>
+        <p:nvPicPr>
+          <p:cNvPr id="8" name="Grafik 7" descr="Ein Bild, das Screenshot enthält.&#10;&#10;Automatisch generierte Beschreibung">
+            <a:extLst>
+              <a:ext uri="{FF2B5EF4-FFF2-40B4-BE49-F238E27FC236}">
+                <a16:creationId xmlns:a16="http://schemas.microsoft.com/office/drawing/2014/main" id="{E1897A54-8D7B-46C3-89C2-99DC682C9CE5}"/>
+              </a:ext>
+            </a:extLst>
+          </p:cNvPr>
+          <p:cNvPicPr>
+            <a:picLocks noChangeAspect="1"/>
+          </p:cNvPicPr>
+          <p:nvPr/>
+        </p:nvPicPr>
+        <p:blipFill rotWithShape="1">
+          <a:blip r:embed="rId5">
+            <a:extLst>
+              <a:ext uri="{28A0092B-C50C-407E-A947-70E740481C1C}">
+                <a14:useLocalDpi xmlns:a14="http://schemas.microsoft.com/office/drawing/2010/main" val="0"/>
+              </a:ext>
+            </a:extLst>
+          </a:blip>
+          <a:srcRect l="595" t="51804" r="1"/>
+          <a:stretch/>
+        </p:blipFill>
+        <p:spPr>
+          <a:xfrm>
+            <a:off x="9117281" y="3776356"/>
+            <a:ext cx="2434639" cy="675798"/>
+          </a:xfrm>
+          <a:prstGeom prst="rect">
+            <a:avLst/>
+          </a:prstGeom>
+        </p:spPr>
+      </p:pic>
+    </p:spTree>
+    <p:extLst>
+      <p:ext uri="{BB962C8B-B14F-4D97-AF65-F5344CB8AC3E}">
+        <p14:creationId xmlns:p14="http://schemas.microsoft.com/office/powerpoint/2010/main" val="1267755969"/>
+      </p:ext>
+    </p:extLst>
+  </p:cSld>
+  <p:clrMapOvr>
+    <a:masterClrMapping/>
+  </p:clrMapOvr>
+</p:sld>
+</file>
+
+<file path=ppt/slides/slide6.xml><?xml version="1.0" encoding="utf-8"?>
+<p:sld xmlns:a="http://schemas.openxmlformats.org/drawingml/2006/main" xmlns:r="http://schemas.openxmlformats.org/officeDocument/2006/relationships" xmlns:p="http://schemas.openxmlformats.org/presentationml/2006/main">
+  <p:cSld>
+    <p:spTree>
+      <p:nvGrpSpPr>
+        <p:cNvPr id="1" name=""/>
+        <p:cNvGrpSpPr/>
+        <p:nvPr/>
+      </p:nvGrpSpPr>
+      <p:grpSpPr>
+        <a:xfrm>
+          <a:off x="0" y="0"/>
+          <a:ext cx="0" cy="0"/>
+          <a:chOff x="0" y="0"/>
+          <a:chExt cx="0" cy="0"/>
+        </a:xfrm>
+      </p:grpSpPr>
       <p:pic>
         <p:nvPicPr>
           <p:cNvPr id="5" name="Grafik 4">
             <a:extLst>
               <a:ext uri="{FF2B5EF4-FFF2-40B4-BE49-F238E27FC236}">
-                <a16:creationId xmlns:a16="http://schemas.microsoft.com/office/drawing/2014/main" id="{5BB97B46-E3F3-4C7F-A632-0D9DD2E2EC06}"/>
+                <a16:creationId xmlns:a16="http://schemas.microsoft.com/office/drawing/2014/main" id="{C1ED76FB-E933-422F-8708-277F47D891D1}"/>
               </a:ext>
             </a:extLst>
           </p:cNvPr>
@@ -4555,59 +4920,269 @@
         </p:blipFill>
         <p:spPr>
           <a:xfrm>
-            <a:off x="253067" y="163585"/>
-            <a:ext cx="11685865" cy="6627300"/>
+            <a:off x="0" y="684664"/>
+            <a:ext cx="12192000" cy="2828925"/>
           </a:xfrm>
           <a:prstGeom prst="rect">
             <a:avLst/>
           </a:prstGeom>
         </p:spPr>
       </p:pic>
-      <p:sp>
-        <p:nvSpPr>
-          <p:cNvPr id="2" name="Titel 1">
-            <a:extLst>
-              <a:ext uri="{FF2B5EF4-FFF2-40B4-BE49-F238E27FC236}">
-                <a16:creationId xmlns:a16="http://schemas.microsoft.com/office/drawing/2014/main" id="{74774CCD-030B-4A8C-BCB4-ECCC25D4E6BD}"/>
-              </a:ext>
-            </a:extLst>
-          </p:cNvPr>
-          <p:cNvSpPr>
-            <a:spLocks noGrp="1"/>
-          </p:cNvSpPr>
-          <p:nvPr>
-            <p:ph type="title" idx="4294967295"/>
-          </p:nvPr>
-        </p:nvSpPr>
+      <p:pic>
+        <p:nvPicPr>
+          <p:cNvPr id="4" name="Grafik 3">
+            <a:extLst>
+              <a:ext uri="{FF2B5EF4-FFF2-40B4-BE49-F238E27FC236}">
+                <a16:creationId xmlns:a16="http://schemas.microsoft.com/office/drawing/2014/main" id="{D6B2113F-9D08-4CCB-A80D-51BE1841396A}"/>
+              </a:ext>
+            </a:extLst>
+          </p:cNvPr>
+          <p:cNvPicPr>
+            <a:picLocks noChangeAspect="1"/>
+          </p:cNvPicPr>
+          <p:nvPr/>
+        </p:nvPicPr>
+        <p:blipFill>
+          <a:blip r:embed="rId3"/>
+          <a:stretch>
+            <a:fillRect/>
+          </a:stretch>
+        </p:blipFill>
         <p:spPr>
           <a:xfrm>
-            <a:off x="-75503" y="-410057"/>
-            <a:ext cx="2880220" cy="1244761"/>
-          </a:xfrm>
-        </p:spPr>
-        <p:txBody>
-          <a:bodyPr vert="horz" lIns="91440" tIns="45720" rIns="91440" bIns="45720" rtlCol="0" anchor="b">
-            <a:normAutofit/>
+            <a:off x="9810418" y="3914004"/>
+            <a:ext cx="2381582" cy="1257475"/>
+          </a:xfrm>
+          <a:prstGeom prst="rect">
+            <a:avLst/>
+          </a:prstGeom>
+        </p:spPr>
+      </p:pic>
+      <p:pic>
+        <p:nvPicPr>
+          <p:cNvPr id="6" name="Grafik 5">
+            <a:extLst>
+              <a:ext uri="{FF2B5EF4-FFF2-40B4-BE49-F238E27FC236}">
+                <a16:creationId xmlns:a16="http://schemas.microsoft.com/office/drawing/2014/main" id="{8E243BD6-253E-471C-AF8E-5CD009220D9B}"/>
+              </a:ext>
+            </a:extLst>
+          </p:cNvPr>
+          <p:cNvPicPr>
+            <a:picLocks noChangeAspect="1"/>
+          </p:cNvPicPr>
+          <p:nvPr/>
+        </p:nvPicPr>
+        <p:blipFill>
+          <a:blip r:embed="rId4"/>
+          <a:stretch>
+            <a:fillRect/>
+          </a:stretch>
+        </p:blipFill>
+        <p:spPr>
+          <a:xfrm>
+            <a:off x="7081543" y="3933056"/>
+            <a:ext cx="1676634" cy="1238423"/>
+          </a:xfrm>
+          <a:prstGeom prst="rect">
+            <a:avLst/>
+          </a:prstGeom>
+        </p:spPr>
+      </p:pic>
+      <p:sp>
+        <p:nvSpPr>
+          <p:cNvPr id="7" name="Pfeil: nach unten 6">
+            <a:extLst>
+              <a:ext uri="{FF2B5EF4-FFF2-40B4-BE49-F238E27FC236}">
+                <a16:creationId xmlns:a16="http://schemas.microsoft.com/office/drawing/2014/main" id="{51666FEB-1BAC-4172-8E36-0D9C1752127A}"/>
+              </a:ext>
+            </a:extLst>
+          </p:cNvPr>
+          <p:cNvSpPr/>
+          <p:nvPr/>
+        </p:nvSpPr>
+        <p:spPr>
+          <a:xfrm rot="3020801">
+            <a:off x="8898524" y="2925808"/>
+            <a:ext cx="559837" cy="836955"/>
+          </a:xfrm>
+          <a:prstGeom prst="downArrow">
+            <a:avLst/>
+          </a:prstGeom>
+        </p:spPr>
+        <p:style>
+          <a:lnRef idx="2">
+            <a:schemeClr val="accent1">
+              <a:shade val="50000"/>
+            </a:schemeClr>
+          </a:lnRef>
+          <a:fillRef idx="1">
+            <a:schemeClr val="accent1"/>
+          </a:fillRef>
+          <a:effectRef idx="0">
+            <a:schemeClr val="accent1"/>
+          </a:effectRef>
+          <a:fontRef idx="minor">
+            <a:schemeClr val="lt1"/>
+          </a:fontRef>
+        </p:style>
+        <p:txBody>
+          <a:bodyPr rtlCol="0" anchor="ctr"/>
+          <a:lstStyle/>
+          <a:p>
+            <a:pPr algn="ctr"/>
+            <a:endParaRPr lang="de-AT"/>
+          </a:p>
+        </p:txBody>
+      </p:sp>
+      <p:sp>
+        <p:nvSpPr>
+          <p:cNvPr id="18" name="Pfeil: nach unten 17">
+            <a:extLst>
+              <a:ext uri="{FF2B5EF4-FFF2-40B4-BE49-F238E27FC236}">
+                <a16:creationId xmlns:a16="http://schemas.microsoft.com/office/drawing/2014/main" id="{4C88D6A6-CFE8-4399-BAFE-5AE5EB9D7855}"/>
+              </a:ext>
+            </a:extLst>
+          </p:cNvPr>
+          <p:cNvSpPr/>
+          <p:nvPr/>
+        </p:nvSpPr>
+        <p:spPr>
+          <a:xfrm rot="19621756">
+            <a:off x="10193137" y="2904954"/>
+            <a:ext cx="559837" cy="836955"/>
+          </a:xfrm>
+          <a:prstGeom prst="downArrow">
+            <a:avLst/>
+          </a:prstGeom>
+        </p:spPr>
+        <p:style>
+          <a:lnRef idx="2">
+            <a:schemeClr val="accent1">
+              <a:shade val="50000"/>
+            </a:schemeClr>
+          </a:lnRef>
+          <a:fillRef idx="1">
+            <a:schemeClr val="accent1"/>
+          </a:fillRef>
+          <a:effectRef idx="0">
+            <a:schemeClr val="accent1"/>
+          </a:effectRef>
+          <a:fontRef idx="minor">
+            <a:schemeClr val="lt1"/>
+          </a:fontRef>
+        </p:style>
+        <p:txBody>
+          <a:bodyPr rtlCol="0" anchor="ctr"/>
+          <a:lstStyle/>
+          <a:p>
+            <a:pPr algn="ctr"/>
+            <a:endParaRPr lang="de-AT"/>
+          </a:p>
+        </p:txBody>
+      </p:sp>
+      <p:sp>
+        <p:nvSpPr>
+          <p:cNvPr id="9" name="Titel 8">
+            <a:extLst>
+              <a:ext uri="{FF2B5EF4-FFF2-40B4-BE49-F238E27FC236}">
+                <a16:creationId xmlns:a16="http://schemas.microsoft.com/office/drawing/2014/main" id="{256BAACC-3AC0-4141-B177-5949E8903AC8}"/>
+              </a:ext>
+            </a:extLst>
+          </p:cNvPr>
+          <p:cNvSpPr>
+            <a:spLocks noGrp="1"/>
+          </p:cNvSpPr>
+          <p:nvPr>
+            <p:ph type="title"/>
+          </p:nvPr>
+        </p:nvSpPr>
+        <p:spPr>
+          <a:xfrm>
+            <a:off x="485609" y="-220647"/>
+            <a:ext cx="10515600" cy="1325563"/>
+          </a:xfrm>
+        </p:spPr>
+        <p:txBody>
+          <a:bodyPr/>
+          <a:lstStyle/>
+          <a:p>
+            <a:r>
+              <a:rPr lang="de-DE" dirty="0"/>
+              <a:t>Userverwaltung</a:t>
+            </a:r>
+            <a:endParaRPr lang="de-AT" dirty="0"/>
+          </a:p>
+        </p:txBody>
+      </p:sp>
+      <p:sp>
+        <p:nvSpPr>
+          <p:cNvPr id="22" name="Textfeld 21">
+            <a:extLst>
+              <a:ext uri="{FF2B5EF4-FFF2-40B4-BE49-F238E27FC236}">
+                <a16:creationId xmlns:a16="http://schemas.microsoft.com/office/drawing/2014/main" id="{AB5A2931-04E2-41A4-B86B-2AA2E63EC649}"/>
+              </a:ext>
+            </a:extLst>
+          </p:cNvPr>
+          <p:cNvSpPr txBox="1"/>
+          <p:nvPr/>
+        </p:nvSpPr>
+        <p:spPr>
+          <a:xfrm>
+            <a:off x="396644" y="2948694"/>
+            <a:ext cx="3526554" cy="369332"/>
+          </a:xfrm>
+          <a:prstGeom prst="rect">
+            <a:avLst/>
+          </a:prstGeom>
+          <a:noFill/>
+        </p:spPr>
+        <p:txBody>
+          <a:bodyPr wrap="square" rtlCol="0">
+            <a:spAutoFit/>
           </a:bodyPr>
           <a:lstStyle/>
           <a:p>
-            <a:pPr algn="ctr"/>
-            <a:r>
-              <a:rPr lang="en-US" sz="4000" dirty="0"/>
-              <a:t>In </a:t>
-            </a:r>
-            <a:r>
-              <a:rPr lang="en-US" sz="4000" dirty="0" err="1"/>
-              <a:t>Aussicht</a:t>
-            </a:r>
-            <a:endParaRPr lang="en-US" sz="4000" dirty="0"/>
-          </a:p>
-        </p:txBody>
-      </p:sp>
+            <a:r>
+              <a:rPr lang="de-DE" dirty="0"/>
+              <a:t>Login:</a:t>
+            </a:r>
+            <a:endParaRPr lang="de-AT" dirty="0"/>
+          </a:p>
+        </p:txBody>
+      </p:sp>
+      <p:pic>
+        <p:nvPicPr>
+          <p:cNvPr id="25" name="Grafik 24">
+            <a:extLst>
+              <a:ext uri="{FF2B5EF4-FFF2-40B4-BE49-F238E27FC236}">
+                <a16:creationId xmlns:a16="http://schemas.microsoft.com/office/drawing/2014/main" id="{15B3A49E-209B-4AD6-9D35-54E284401046}"/>
+              </a:ext>
+            </a:extLst>
+          </p:cNvPr>
+          <p:cNvPicPr>
+            <a:picLocks noChangeAspect="1"/>
+          </p:cNvPicPr>
+          <p:nvPr/>
+        </p:nvPicPr>
+        <p:blipFill rotWithShape="1">
+          <a:blip r:embed="rId5"/>
+          <a:srcRect l="2356" r="27793"/>
+          <a:stretch/>
+        </p:blipFill>
+        <p:spPr>
+          <a:xfrm>
+            <a:off x="273335" y="3318026"/>
+            <a:ext cx="4065475" cy="3379334"/>
+          </a:xfrm>
+          <a:prstGeom prst="rect">
+            <a:avLst/>
+          </a:prstGeom>
+        </p:spPr>
+      </p:pic>
     </p:spTree>
     <p:extLst>
       <p:ext uri="{BB962C8B-B14F-4D97-AF65-F5344CB8AC3E}">
-        <p14:creationId xmlns:p14="http://schemas.microsoft.com/office/powerpoint/2010/main" val="3187254414"/>
+        <p14:creationId xmlns:p14="http://schemas.microsoft.com/office/powerpoint/2010/main" val="4251339638"/>
       </p:ext>
     </p:extLst>
   </p:cSld>
@@ -4634,55 +5209,68 @@
           <a:chExt cx="0" cy="0"/>
         </a:xfrm>
       </p:grpSpPr>
-      <p:sp>
-        <p:nvSpPr>
-          <p:cNvPr id="4" name="Titel 3">
-            <a:extLst>
-              <a:ext uri="{FF2B5EF4-FFF2-40B4-BE49-F238E27FC236}">
-                <a16:creationId xmlns:a16="http://schemas.microsoft.com/office/drawing/2014/main" id="{CFF6A102-4E8E-466C-A5D2-5B602FD1CFDD}"/>
-              </a:ext>
-            </a:extLst>
-          </p:cNvPr>
-          <p:cNvSpPr>
-            <a:spLocks noGrp="1"/>
-          </p:cNvSpPr>
-          <p:nvPr>
-            <p:ph type="ctrTitle"/>
-          </p:nvPr>
-        </p:nvSpPr>
-        <p:spPr/>
-        <p:txBody>
-          <a:bodyPr/>
-          <a:lstStyle/>
-          <a:p>
-            <a:r>
-              <a:rPr lang="de-AT" dirty="0"/>
-              <a:t>Danke für Eure Aufmerksamkeit</a:t>
-            </a:r>
-          </a:p>
-        </p:txBody>
-      </p:sp>
-      <p:sp>
-        <p:nvSpPr>
-          <p:cNvPr id="5" name="Untertitel 4">
-            <a:extLst>
-              <a:ext uri="{FF2B5EF4-FFF2-40B4-BE49-F238E27FC236}">
-                <a16:creationId xmlns:a16="http://schemas.microsoft.com/office/drawing/2014/main" id="{B91B0A6F-3B93-4051-A1D1-7A1ED02E0570}"/>
-              </a:ext>
-            </a:extLst>
-          </p:cNvPr>
-          <p:cNvSpPr>
-            <a:spLocks noGrp="1"/>
-          </p:cNvSpPr>
-          <p:nvPr>
-            <p:ph type="subTitle" idx="1"/>
-          </p:nvPr>
-        </p:nvSpPr>
-        <p:spPr/>
-        <p:txBody>
-          <a:bodyPr/>
-          <a:lstStyle/>
-          <a:p>
+      <p:pic>
+        <p:nvPicPr>
+          <p:cNvPr id="3" name="Grafik 2">
+            <a:extLst>
+              <a:ext uri="{FF2B5EF4-FFF2-40B4-BE49-F238E27FC236}">
+                <a16:creationId xmlns:a16="http://schemas.microsoft.com/office/drawing/2014/main" id="{49FAAF3A-CDB5-47E7-9B31-385726ED53AB}"/>
+              </a:ext>
+            </a:extLst>
+          </p:cNvPr>
+          <p:cNvPicPr>
+            <a:picLocks noChangeAspect="1"/>
+          </p:cNvPicPr>
+          <p:nvPr/>
+        </p:nvPicPr>
+        <p:blipFill>
+          <a:blip r:embed="rId2"/>
+          <a:stretch>
+            <a:fillRect/>
+          </a:stretch>
+        </p:blipFill>
+        <p:spPr>
+          <a:xfrm>
+            <a:off x="3692427" y="-4665"/>
+            <a:ext cx="4647587" cy="6736702"/>
+          </a:xfrm>
+          <a:prstGeom prst="rect">
+            <a:avLst/>
+          </a:prstGeom>
+        </p:spPr>
+      </p:pic>
+      <p:sp>
+        <p:nvSpPr>
+          <p:cNvPr id="6" name="Textfeld 5">
+            <a:extLst>
+              <a:ext uri="{FF2B5EF4-FFF2-40B4-BE49-F238E27FC236}">
+                <a16:creationId xmlns:a16="http://schemas.microsoft.com/office/drawing/2014/main" id="{FD5130F9-D210-4CB1-BA44-F00F0EC9E08A}"/>
+              </a:ext>
+            </a:extLst>
+          </p:cNvPr>
+          <p:cNvSpPr txBox="1"/>
+          <p:nvPr/>
+        </p:nvSpPr>
+        <p:spPr>
+          <a:xfrm>
+            <a:off x="177282" y="298581"/>
+            <a:ext cx="2669489" cy="369332"/>
+          </a:xfrm>
+          <a:prstGeom prst="rect">
+            <a:avLst/>
+          </a:prstGeom>
+          <a:noFill/>
+        </p:spPr>
+        <p:txBody>
+          <a:bodyPr wrap="square" rtlCol="0">
+            <a:spAutoFit/>
+          </a:bodyPr>
+          <a:lstStyle/>
+          <a:p>
+            <a:r>
+              <a:rPr lang="de-DE" dirty="0"/>
+              <a:t>Mitarbeiter Anzeigen:</a:t>
+            </a:r>
             <a:endParaRPr lang="de-AT" dirty="0"/>
           </a:p>
         </p:txBody>
@@ -4690,7 +5278,125 @@
     </p:spTree>
     <p:extLst>
       <p:ext uri="{BB962C8B-B14F-4D97-AF65-F5344CB8AC3E}">
-        <p14:creationId xmlns:p14="http://schemas.microsoft.com/office/powerpoint/2010/main" val="2725170141"/>
+        <p14:creationId xmlns:p14="http://schemas.microsoft.com/office/powerpoint/2010/main" val="2395424247"/>
+      </p:ext>
+    </p:extLst>
+  </p:cSld>
+  <p:clrMapOvr>
+    <a:masterClrMapping/>
+  </p:clrMapOvr>
+</p:sld>
+</file>
+
+<file path=ppt/slides/slide8.xml><?xml version="1.0" encoding="utf-8"?>
+<p:sld xmlns:a="http://schemas.openxmlformats.org/drawingml/2006/main" xmlns:r="http://schemas.openxmlformats.org/officeDocument/2006/relationships" xmlns:p="http://schemas.openxmlformats.org/presentationml/2006/main">
+  <p:cSld>
+    <p:spTree>
+      <p:nvGrpSpPr>
+        <p:cNvPr id="1" name=""/>
+        <p:cNvGrpSpPr/>
+        <p:nvPr/>
+      </p:nvGrpSpPr>
+      <p:grpSpPr>
+        <a:xfrm>
+          <a:off x="0" y="0"/>
+          <a:ext cx="0" cy="0"/>
+          <a:chOff x="0" y="0"/>
+          <a:chExt cx="0" cy="0"/>
+        </a:xfrm>
+      </p:grpSpPr>
+      <p:pic>
+        <p:nvPicPr>
+          <p:cNvPr id="4" name="Grafik 3">
+            <a:extLst>
+              <a:ext uri="{FF2B5EF4-FFF2-40B4-BE49-F238E27FC236}">
+                <a16:creationId xmlns:a16="http://schemas.microsoft.com/office/drawing/2014/main" id="{36537C7C-A744-4598-B755-A8BBF3F7AB2B}"/>
+              </a:ext>
+            </a:extLst>
+          </p:cNvPr>
+          <p:cNvPicPr>
+            <a:picLocks noChangeAspect="1"/>
+          </p:cNvPicPr>
+          <p:nvPr/>
+        </p:nvPicPr>
+        <p:blipFill rotWithShape="1">
+          <a:blip r:embed="rId2"/>
+          <a:srcRect r="21403"/>
+          <a:stretch/>
+        </p:blipFill>
+        <p:spPr>
+          <a:xfrm>
+            <a:off x="139959" y="192146"/>
+            <a:ext cx="11734800" cy="6473708"/>
+          </a:xfrm>
+          <a:prstGeom prst="rect">
+            <a:avLst/>
+          </a:prstGeom>
+        </p:spPr>
+      </p:pic>
+    </p:spTree>
+    <p:extLst>
+      <p:ext uri="{BB962C8B-B14F-4D97-AF65-F5344CB8AC3E}">
+        <p14:creationId xmlns:p14="http://schemas.microsoft.com/office/powerpoint/2010/main" val="3105425426"/>
+      </p:ext>
+    </p:extLst>
+  </p:cSld>
+  <p:clrMapOvr>
+    <a:masterClrMapping/>
+  </p:clrMapOvr>
+</p:sld>
+</file>
+
+<file path=ppt/slides/slide9.xml><?xml version="1.0" encoding="utf-8"?>
+<p:sld xmlns:a="http://schemas.openxmlformats.org/drawingml/2006/main" xmlns:r="http://schemas.openxmlformats.org/officeDocument/2006/relationships" xmlns:p="http://schemas.openxmlformats.org/presentationml/2006/main">
+  <p:cSld>
+    <p:spTree>
+      <p:nvGrpSpPr>
+        <p:cNvPr id="1" name=""/>
+        <p:cNvGrpSpPr/>
+        <p:nvPr/>
+      </p:nvGrpSpPr>
+      <p:grpSpPr>
+        <a:xfrm>
+          <a:off x="0" y="0"/>
+          <a:ext cx="0" cy="0"/>
+          <a:chOff x="0" y="0"/>
+          <a:chExt cx="0" cy="0"/>
+        </a:xfrm>
+      </p:grpSpPr>
+      <p:pic>
+        <p:nvPicPr>
+          <p:cNvPr id="3" name="Grafik 2">
+            <a:extLst>
+              <a:ext uri="{FF2B5EF4-FFF2-40B4-BE49-F238E27FC236}">
+                <a16:creationId xmlns:a16="http://schemas.microsoft.com/office/drawing/2014/main" id="{D2F83C47-4043-479C-877E-196356785E99}"/>
+              </a:ext>
+            </a:extLst>
+          </p:cNvPr>
+          <p:cNvPicPr>
+            <a:picLocks noChangeAspect="1"/>
+          </p:cNvPicPr>
+          <p:nvPr/>
+        </p:nvPicPr>
+        <p:blipFill rotWithShape="1">
+          <a:blip r:embed="rId2"/>
+          <a:srcRect l="-24643" r="24643"/>
+          <a:stretch/>
+        </p:blipFill>
+        <p:spPr>
+          <a:xfrm>
+            <a:off x="-2920482" y="228170"/>
+            <a:ext cx="14350481" cy="6401660"/>
+          </a:xfrm>
+          <a:prstGeom prst="rect">
+            <a:avLst/>
+          </a:prstGeom>
+        </p:spPr>
+      </p:pic>
+    </p:spTree>
+    <p:extLst>
+      <p:ext uri="{BB962C8B-B14F-4D97-AF65-F5344CB8AC3E}">
+        <p14:creationId xmlns:p14="http://schemas.microsoft.com/office/powerpoint/2010/main" val="1892048197"/>
       </p:ext>
     </p:extLst>
   </p:cSld>

--- a/Projektiterationen/1.Iteration.pptx
+++ b/Projektiterationen/1.Iteration.pptx
@@ -271,7 +271,7 @@
           <a:p>
             <a:fld id="{826AA1D2-9E24-46BA-ACF3-586C08A89ECF}" type="datetimeFigureOut">
               <a:rPr lang="de-AT" smtClean="0"/>
-              <a:t>22.11.2019</a:t>
+              <a:t>22.04.2020</a:t>
             </a:fld>
             <a:endParaRPr lang="de-AT"/>
           </a:p>
@@ -471,7 +471,7 @@
           <a:p>
             <a:fld id="{826AA1D2-9E24-46BA-ACF3-586C08A89ECF}" type="datetimeFigureOut">
               <a:rPr lang="de-AT" smtClean="0"/>
-              <a:t>22.11.2019</a:t>
+              <a:t>22.04.2020</a:t>
             </a:fld>
             <a:endParaRPr lang="de-AT"/>
           </a:p>
@@ -681,7 +681,7 @@
           <a:p>
             <a:fld id="{826AA1D2-9E24-46BA-ACF3-586C08A89ECF}" type="datetimeFigureOut">
               <a:rPr lang="de-AT" smtClean="0"/>
-              <a:t>22.11.2019</a:t>
+              <a:t>22.04.2020</a:t>
             </a:fld>
             <a:endParaRPr lang="de-AT"/>
           </a:p>
@@ -881,7 +881,7 @@
           <a:p>
             <a:fld id="{826AA1D2-9E24-46BA-ACF3-586C08A89ECF}" type="datetimeFigureOut">
               <a:rPr lang="de-AT" smtClean="0"/>
-              <a:t>22.11.2019</a:t>
+              <a:t>22.04.2020</a:t>
             </a:fld>
             <a:endParaRPr lang="de-AT"/>
           </a:p>
@@ -1157,7 +1157,7 @@
           <a:p>
             <a:fld id="{826AA1D2-9E24-46BA-ACF3-586C08A89ECF}" type="datetimeFigureOut">
               <a:rPr lang="de-AT" smtClean="0"/>
-              <a:t>22.11.2019</a:t>
+              <a:t>22.04.2020</a:t>
             </a:fld>
             <a:endParaRPr lang="de-AT"/>
           </a:p>
@@ -1425,7 +1425,7 @@
           <a:p>
             <a:fld id="{826AA1D2-9E24-46BA-ACF3-586C08A89ECF}" type="datetimeFigureOut">
               <a:rPr lang="de-AT" smtClean="0"/>
-              <a:t>22.11.2019</a:t>
+              <a:t>22.04.2020</a:t>
             </a:fld>
             <a:endParaRPr lang="de-AT"/>
           </a:p>
@@ -1840,7 +1840,7 @@
           <a:p>
             <a:fld id="{826AA1D2-9E24-46BA-ACF3-586C08A89ECF}" type="datetimeFigureOut">
               <a:rPr lang="de-AT" smtClean="0"/>
-              <a:t>22.11.2019</a:t>
+              <a:t>22.04.2020</a:t>
             </a:fld>
             <a:endParaRPr lang="de-AT"/>
           </a:p>
@@ -1982,7 +1982,7 @@
           <a:p>
             <a:fld id="{826AA1D2-9E24-46BA-ACF3-586C08A89ECF}" type="datetimeFigureOut">
               <a:rPr lang="de-AT" smtClean="0"/>
-              <a:t>22.11.2019</a:t>
+              <a:t>22.04.2020</a:t>
             </a:fld>
             <a:endParaRPr lang="de-AT"/>
           </a:p>
@@ -2095,7 +2095,7 @@
           <a:p>
             <a:fld id="{826AA1D2-9E24-46BA-ACF3-586C08A89ECF}" type="datetimeFigureOut">
               <a:rPr lang="de-AT" smtClean="0"/>
-              <a:t>22.11.2019</a:t>
+              <a:t>22.04.2020</a:t>
             </a:fld>
             <a:endParaRPr lang="de-AT"/>
           </a:p>
@@ -2408,7 +2408,7 @@
           <a:p>
             <a:fld id="{826AA1D2-9E24-46BA-ACF3-586C08A89ECF}" type="datetimeFigureOut">
               <a:rPr lang="de-AT" smtClean="0"/>
-              <a:t>22.11.2019</a:t>
+              <a:t>22.04.2020</a:t>
             </a:fld>
             <a:endParaRPr lang="de-AT"/>
           </a:p>
@@ -2697,7 +2697,7 @@
           <a:p>
             <a:fld id="{826AA1D2-9E24-46BA-ACF3-586C08A89ECF}" type="datetimeFigureOut">
               <a:rPr lang="de-AT" smtClean="0"/>
-              <a:t>22.11.2019</a:t>
+              <a:t>22.04.2020</a:t>
             </a:fld>
             <a:endParaRPr lang="de-AT"/>
           </a:p>
@@ -2940,7 +2940,7 @@
           <a:p>
             <a:fld id="{826AA1D2-9E24-46BA-ACF3-586C08A89ECF}" type="datetimeFigureOut">
               <a:rPr lang="de-AT" smtClean="0"/>
-              <a:t>22.11.2019</a:t>
+              <a:t>22.04.2020</a:t>
             </a:fld>
             <a:endParaRPr lang="de-AT"/>
           </a:p>
